--- a/Master_thesis_presentation_Fabian_Braun.pptx
+++ b/Master_thesis_presentation_Fabian_Braun.pptx
@@ -5,31 +5,35 @@
     <p:sldMasterId id="2147483648" r:id="rId1"/>
   </p:sldMasterIdLst>
   <p:notesMasterIdLst>
-    <p:notesMasterId r:id="rId21"/>
+    <p:notesMasterId r:id="rId25"/>
   </p:notesMasterIdLst>
   <p:handoutMasterIdLst>
-    <p:handoutMasterId r:id="rId22"/>
+    <p:handoutMasterId r:id="rId26"/>
   </p:handoutMasterIdLst>
   <p:sldIdLst>
     <p:sldId id="256" r:id="rId2"/>
     <p:sldId id="261" r:id="rId3"/>
-    <p:sldId id="263" r:id="rId4"/>
-    <p:sldId id="264" r:id="rId5"/>
-    <p:sldId id="265" r:id="rId6"/>
-    <p:sldId id="266" r:id="rId7"/>
-    <p:sldId id="267" r:id="rId8"/>
-    <p:sldId id="268" r:id="rId9"/>
-    <p:sldId id="269" r:id="rId10"/>
-    <p:sldId id="270" r:id="rId11"/>
-    <p:sldId id="271" r:id="rId12"/>
-    <p:sldId id="272" r:id="rId13"/>
-    <p:sldId id="273" r:id="rId14"/>
-    <p:sldId id="274" r:id="rId15"/>
-    <p:sldId id="275" r:id="rId16"/>
-    <p:sldId id="276" r:id="rId17"/>
-    <p:sldId id="277" r:id="rId18"/>
-    <p:sldId id="278" r:id="rId19"/>
-    <p:sldId id="279" r:id="rId20"/>
+    <p:sldId id="280" r:id="rId4"/>
+    <p:sldId id="281" r:id="rId5"/>
+    <p:sldId id="263" r:id="rId6"/>
+    <p:sldId id="264" r:id="rId7"/>
+    <p:sldId id="265" r:id="rId8"/>
+    <p:sldId id="266" r:id="rId9"/>
+    <p:sldId id="267" r:id="rId10"/>
+    <p:sldId id="282" r:id="rId11"/>
+    <p:sldId id="268" r:id="rId12"/>
+    <p:sldId id="269" r:id="rId13"/>
+    <p:sldId id="270" r:id="rId14"/>
+    <p:sldId id="271" r:id="rId15"/>
+    <p:sldId id="272" r:id="rId16"/>
+    <p:sldId id="283" r:id="rId17"/>
+    <p:sldId id="273" r:id="rId18"/>
+    <p:sldId id="274" r:id="rId19"/>
+    <p:sldId id="275" r:id="rId20"/>
+    <p:sldId id="276" r:id="rId21"/>
+    <p:sldId id="277" r:id="rId22"/>
+    <p:sldId id="278" r:id="rId23"/>
+    <p:sldId id="279" r:id="rId24"/>
   </p:sldIdLst>
   <p:sldSz cx="12192000" cy="6858000"/>
   <p:notesSz cx="6858000" cy="9144000"/>
@@ -8081,7 +8085,7 @@
           <p:cNvPr id="2" name="Title 1">
             <a:extLst>
               <a:ext uri="{FF2B5EF4-FFF2-40B4-BE49-F238E27FC236}">
-                <a16:creationId xmlns:a16="http://schemas.microsoft.com/office/drawing/2014/main" id="{F9E00833-45DE-4604-B6F4-7A50D5F15F76}"/>
+                <a16:creationId xmlns:a16="http://schemas.microsoft.com/office/drawing/2014/main" id="{DAA93414-E04D-4692-99D7-D3EE72B7CABD}"/>
               </a:ext>
             </a:extLst>
           </p:cNvPr>
@@ -8099,7 +8103,7 @@
           <a:p>
             <a:r>
               <a:rPr lang="de-DE" dirty="0"/>
-              <a:t>Workflow: background subtraction</a:t>
+              <a:t>Specific Problems that where solved</a:t>
             </a:r>
             <a:endParaRPr lang="en-CH" dirty="0"/>
           </a:p>
@@ -8110,7 +8114,7 @@
           <p:cNvPr id="3" name="Content Placeholder 2">
             <a:extLst>
               <a:ext uri="{FF2B5EF4-FFF2-40B4-BE49-F238E27FC236}">
-                <a16:creationId xmlns:a16="http://schemas.microsoft.com/office/drawing/2014/main" id="{83E74C67-DCC1-4FA0-B0BE-D77E5EE4494C}"/>
+                <a16:creationId xmlns:a16="http://schemas.microsoft.com/office/drawing/2014/main" id="{C41CC0B0-C23E-49A2-85CB-37CD7C19FDF2}"/>
               </a:ext>
             </a:extLst>
           </p:cNvPr>
@@ -8135,7 +8139,7 @@
           <p:cNvPr id="4" name="Date Placeholder 3">
             <a:extLst>
               <a:ext uri="{FF2B5EF4-FFF2-40B4-BE49-F238E27FC236}">
-                <a16:creationId xmlns:a16="http://schemas.microsoft.com/office/drawing/2014/main" id="{2279B13F-A9A6-4EBA-8760-008B395D2A67}"/>
+                <a16:creationId xmlns:a16="http://schemas.microsoft.com/office/drawing/2014/main" id="{4DA53919-6C47-49FB-9D50-E4B6B596C814}"/>
               </a:ext>
             </a:extLst>
           </p:cNvPr>
@@ -8164,7 +8168,7 @@
           <p:cNvPr id="5" name="Footer Placeholder 4">
             <a:extLst>
               <a:ext uri="{FF2B5EF4-FFF2-40B4-BE49-F238E27FC236}">
-                <a16:creationId xmlns:a16="http://schemas.microsoft.com/office/drawing/2014/main" id="{A0A5D70D-C494-4894-9348-DEACEBF43C03}"/>
+                <a16:creationId xmlns:a16="http://schemas.microsoft.com/office/drawing/2014/main" id="{C8942BD6-8BFF-4AB0-86EF-1A84AC576871}"/>
               </a:ext>
             </a:extLst>
           </p:cNvPr>
@@ -8193,7 +8197,7 @@
           <p:cNvPr id="6" name="Slide Number Placeholder 5">
             <a:extLst>
               <a:ext uri="{FF2B5EF4-FFF2-40B4-BE49-F238E27FC236}">
-                <a16:creationId xmlns:a16="http://schemas.microsoft.com/office/drawing/2014/main" id="{FEDC42AF-4525-4459-BBDC-78940B148CE2}"/>
+                <a16:creationId xmlns:a16="http://schemas.microsoft.com/office/drawing/2014/main" id="{A861687F-0339-44E5-AD34-864A9A21B956}"/>
               </a:ext>
             </a:extLst>
           </p:cNvPr>
@@ -8220,7 +8224,7 @@
     </p:spTree>
     <p:extLst>
       <p:ext uri="{BB962C8B-B14F-4D97-AF65-F5344CB8AC3E}">
-        <p14:creationId xmlns:p14="http://schemas.microsoft.com/office/powerpoint/2010/main" val="1669633053"/>
+        <p14:creationId xmlns:p14="http://schemas.microsoft.com/office/powerpoint/2010/main" val="58688279"/>
       </p:ext>
     </p:extLst>
   </p:cSld>
@@ -8252,7 +8256,7 @@
           <p:cNvPr id="2" name="Title 1">
             <a:extLst>
               <a:ext uri="{FF2B5EF4-FFF2-40B4-BE49-F238E27FC236}">
-                <a16:creationId xmlns:a16="http://schemas.microsoft.com/office/drawing/2014/main" id="{878AF9F2-B35D-4716-83C3-55D4CDE1D7AE}"/>
+                <a16:creationId xmlns:a16="http://schemas.microsoft.com/office/drawing/2014/main" id="{7341A6D9-8BFC-420A-B93B-3F474303A42A}"/>
               </a:ext>
             </a:extLst>
           </p:cNvPr>
@@ -8270,7 +8274,7 @@
           <a:p>
             <a:r>
               <a:rPr lang="de-DE" dirty="0"/>
-              <a:t>Workflow: averaging</a:t>
+              <a:t>Workflow: Surface plane subtraction</a:t>
             </a:r>
             <a:endParaRPr lang="en-CH" dirty="0"/>
           </a:p>
@@ -8281,7 +8285,7 @@
           <p:cNvPr id="3" name="Content Placeholder 2">
             <a:extLst>
               <a:ext uri="{FF2B5EF4-FFF2-40B4-BE49-F238E27FC236}">
-                <a16:creationId xmlns:a16="http://schemas.microsoft.com/office/drawing/2014/main" id="{006F7F10-2760-4CCB-BE67-70998D052A55}"/>
+                <a16:creationId xmlns:a16="http://schemas.microsoft.com/office/drawing/2014/main" id="{65F7AB09-D47D-4CCC-8342-1220EE57CD3E}"/>
               </a:ext>
             </a:extLst>
           </p:cNvPr>
@@ -8306,7 +8310,7 @@
           <p:cNvPr id="4" name="Date Placeholder 3">
             <a:extLst>
               <a:ext uri="{FF2B5EF4-FFF2-40B4-BE49-F238E27FC236}">
-                <a16:creationId xmlns:a16="http://schemas.microsoft.com/office/drawing/2014/main" id="{FE95EAD3-F783-483A-B415-38864D58A095}"/>
+                <a16:creationId xmlns:a16="http://schemas.microsoft.com/office/drawing/2014/main" id="{FB53C179-6D00-4E18-84C4-9E905AD3D7BA}"/>
               </a:ext>
             </a:extLst>
           </p:cNvPr>
@@ -8335,7 +8339,7 @@
           <p:cNvPr id="5" name="Footer Placeholder 4">
             <a:extLst>
               <a:ext uri="{FF2B5EF4-FFF2-40B4-BE49-F238E27FC236}">
-                <a16:creationId xmlns:a16="http://schemas.microsoft.com/office/drawing/2014/main" id="{D41B6D0C-3DA5-44AA-A47F-6ABFD00A0CD1}"/>
+                <a16:creationId xmlns:a16="http://schemas.microsoft.com/office/drawing/2014/main" id="{A9F58DE1-D4DC-4967-9A31-E566422EDB30}"/>
               </a:ext>
             </a:extLst>
           </p:cNvPr>
@@ -8364,7 +8368,7 @@
           <p:cNvPr id="6" name="Slide Number Placeholder 5">
             <a:extLst>
               <a:ext uri="{FF2B5EF4-FFF2-40B4-BE49-F238E27FC236}">
-                <a16:creationId xmlns:a16="http://schemas.microsoft.com/office/drawing/2014/main" id="{4F63D26A-89BC-4A27-9F3F-F5D91A174332}"/>
+                <a16:creationId xmlns:a16="http://schemas.microsoft.com/office/drawing/2014/main" id="{446D7D00-5388-4D1F-ABA9-E41B031A4CA2}"/>
               </a:ext>
             </a:extLst>
           </p:cNvPr>
@@ -8391,7 +8395,7 @@
     </p:spTree>
     <p:extLst>
       <p:ext uri="{BB962C8B-B14F-4D97-AF65-F5344CB8AC3E}">
-        <p14:creationId xmlns:p14="http://schemas.microsoft.com/office/powerpoint/2010/main" val="1288640755"/>
+        <p14:creationId xmlns:p14="http://schemas.microsoft.com/office/powerpoint/2010/main" val="207285702"/>
       </p:ext>
     </p:extLst>
   </p:cSld>
@@ -8423,7 +8427,7 @@
           <p:cNvPr id="2" name="Title 1">
             <a:extLst>
               <a:ext uri="{FF2B5EF4-FFF2-40B4-BE49-F238E27FC236}">
-                <a16:creationId xmlns:a16="http://schemas.microsoft.com/office/drawing/2014/main" id="{AA7AAD97-CFF8-4585-8B7D-5C6C58F5D5FF}"/>
+                <a16:creationId xmlns:a16="http://schemas.microsoft.com/office/drawing/2014/main" id="{51462B05-BBD0-4A5D-B85E-2EDDF1E8FF30}"/>
               </a:ext>
             </a:extLst>
           </p:cNvPr>
@@ -8441,7 +8445,7 @@
           <a:p>
             <a:r>
               <a:rPr lang="de-DE" dirty="0"/>
-              <a:t>Workflow: Quantifying improvements</a:t>
+              <a:t>Workflow: Focusing</a:t>
             </a:r>
             <a:endParaRPr lang="en-CH" dirty="0"/>
           </a:p>
@@ -8452,7 +8456,7 @@
           <p:cNvPr id="3" name="Content Placeholder 2">
             <a:extLst>
               <a:ext uri="{FF2B5EF4-FFF2-40B4-BE49-F238E27FC236}">
-                <a16:creationId xmlns:a16="http://schemas.microsoft.com/office/drawing/2014/main" id="{CAE16BA7-5A49-4ED8-A524-B78D442A13AA}"/>
+                <a16:creationId xmlns:a16="http://schemas.microsoft.com/office/drawing/2014/main" id="{73FE73F3-744E-4A3F-9DF0-8ABA3B976373}"/>
               </a:ext>
             </a:extLst>
           </p:cNvPr>
@@ -8477,7 +8481,7 @@
           <p:cNvPr id="4" name="Date Placeholder 3">
             <a:extLst>
               <a:ext uri="{FF2B5EF4-FFF2-40B4-BE49-F238E27FC236}">
-                <a16:creationId xmlns:a16="http://schemas.microsoft.com/office/drawing/2014/main" id="{E1967ECB-0F97-4932-BD63-0E23BA6AF1E5}"/>
+                <a16:creationId xmlns:a16="http://schemas.microsoft.com/office/drawing/2014/main" id="{252B120E-C00A-413C-82B3-16C09ED49ED1}"/>
               </a:ext>
             </a:extLst>
           </p:cNvPr>
@@ -8506,7 +8510,7 @@
           <p:cNvPr id="5" name="Footer Placeholder 4">
             <a:extLst>
               <a:ext uri="{FF2B5EF4-FFF2-40B4-BE49-F238E27FC236}">
-                <a16:creationId xmlns:a16="http://schemas.microsoft.com/office/drawing/2014/main" id="{028965D0-B94F-4552-8F39-5693D419BAFE}"/>
+                <a16:creationId xmlns:a16="http://schemas.microsoft.com/office/drawing/2014/main" id="{386A37D0-6B43-4128-B56E-1B658A530129}"/>
               </a:ext>
             </a:extLst>
           </p:cNvPr>
@@ -8535,7 +8539,7 @@
           <p:cNvPr id="6" name="Slide Number Placeholder 5">
             <a:extLst>
               <a:ext uri="{FF2B5EF4-FFF2-40B4-BE49-F238E27FC236}">
-                <a16:creationId xmlns:a16="http://schemas.microsoft.com/office/drawing/2014/main" id="{818A038F-ECE1-4169-AF0D-86E124BDB72A}"/>
+                <a16:creationId xmlns:a16="http://schemas.microsoft.com/office/drawing/2014/main" id="{4ED25110-6492-4937-AC74-DFC303AE8A43}"/>
               </a:ext>
             </a:extLst>
           </p:cNvPr>
@@ -8562,7 +8566,7 @@
     </p:spTree>
     <p:extLst>
       <p:ext uri="{BB962C8B-B14F-4D97-AF65-F5344CB8AC3E}">
-        <p14:creationId xmlns:p14="http://schemas.microsoft.com/office/powerpoint/2010/main" val="4064396941"/>
+        <p14:creationId xmlns:p14="http://schemas.microsoft.com/office/powerpoint/2010/main" val="3945107764"/>
       </p:ext>
     </p:extLst>
   </p:cSld>
@@ -8594,7 +8598,7 @@
           <p:cNvPr id="2" name="Title 1">
             <a:extLst>
               <a:ext uri="{FF2B5EF4-FFF2-40B4-BE49-F238E27FC236}">
-                <a16:creationId xmlns:a16="http://schemas.microsoft.com/office/drawing/2014/main" id="{EB4935C9-52C3-47F0-B8D6-4987254EA2FB}"/>
+                <a16:creationId xmlns:a16="http://schemas.microsoft.com/office/drawing/2014/main" id="{F9E00833-45DE-4604-B6F4-7A50D5F15F76}"/>
               </a:ext>
             </a:extLst>
           </p:cNvPr>
@@ -8612,7 +8616,7 @@
           <a:p>
             <a:r>
               <a:rPr lang="de-DE" dirty="0"/>
-              <a:t>Segmentation and Tracking with U-Net</a:t>
+              <a:t>Workflow: background subtraction</a:t>
             </a:r>
             <a:endParaRPr lang="en-CH" dirty="0"/>
           </a:p>
@@ -8623,7 +8627,7 @@
           <p:cNvPr id="3" name="Content Placeholder 2">
             <a:extLst>
               <a:ext uri="{FF2B5EF4-FFF2-40B4-BE49-F238E27FC236}">
-                <a16:creationId xmlns:a16="http://schemas.microsoft.com/office/drawing/2014/main" id="{2DCF37D2-26DB-47C6-8CF9-E060014FF7BB}"/>
+                <a16:creationId xmlns:a16="http://schemas.microsoft.com/office/drawing/2014/main" id="{83E74C67-DCC1-4FA0-B0BE-D77E5EE4494C}"/>
               </a:ext>
             </a:extLst>
           </p:cNvPr>
@@ -8639,7 +8643,7 @@
           <a:bodyPr/>
           <a:lstStyle/>
           <a:p>
-            <a:endParaRPr lang="en-CH" dirty="0"/>
+            <a:endParaRPr lang="en-CH"/>
           </a:p>
         </p:txBody>
       </p:sp>
@@ -8648,7 +8652,7 @@
           <p:cNvPr id="4" name="Date Placeholder 3">
             <a:extLst>
               <a:ext uri="{FF2B5EF4-FFF2-40B4-BE49-F238E27FC236}">
-                <a16:creationId xmlns:a16="http://schemas.microsoft.com/office/drawing/2014/main" id="{C1E3DC5E-8CA9-4CDC-8B64-05B769BC557D}"/>
+                <a16:creationId xmlns:a16="http://schemas.microsoft.com/office/drawing/2014/main" id="{2279B13F-A9A6-4EBA-8760-008B395D2A67}"/>
               </a:ext>
             </a:extLst>
           </p:cNvPr>
@@ -8677,7 +8681,7 @@
           <p:cNvPr id="5" name="Footer Placeholder 4">
             <a:extLst>
               <a:ext uri="{FF2B5EF4-FFF2-40B4-BE49-F238E27FC236}">
-                <a16:creationId xmlns:a16="http://schemas.microsoft.com/office/drawing/2014/main" id="{105BBF9C-34DB-4502-9B12-2D3CEE63C397}"/>
+                <a16:creationId xmlns:a16="http://schemas.microsoft.com/office/drawing/2014/main" id="{A0A5D70D-C494-4894-9348-DEACEBF43C03}"/>
               </a:ext>
             </a:extLst>
           </p:cNvPr>
@@ -8706,7 +8710,7 @@
           <p:cNvPr id="6" name="Slide Number Placeholder 5">
             <a:extLst>
               <a:ext uri="{FF2B5EF4-FFF2-40B4-BE49-F238E27FC236}">
-                <a16:creationId xmlns:a16="http://schemas.microsoft.com/office/drawing/2014/main" id="{73DFB7B6-B92B-4FCB-82CD-F3452CD52B47}"/>
+                <a16:creationId xmlns:a16="http://schemas.microsoft.com/office/drawing/2014/main" id="{FEDC42AF-4525-4459-BBDC-78940B148CE2}"/>
               </a:ext>
             </a:extLst>
           </p:cNvPr>
@@ -8733,7 +8737,7 @@
     </p:spTree>
     <p:extLst>
       <p:ext uri="{BB962C8B-B14F-4D97-AF65-F5344CB8AC3E}">
-        <p14:creationId xmlns:p14="http://schemas.microsoft.com/office/powerpoint/2010/main" val="1297936948"/>
+        <p14:creationId xmlns:p14="http://schemas.microsoft.com/office/powerpoint/2010/main" val="1669633053"/>
       </p:ext>
     </p:extLst>
   </p:cSld>
@@ -8765,7 +8769,7 @@
           <p:cNvPr id="2" name="Title 1">
             <a:extLst>
               <a:ext uri="{FF2B5EF4-FFF2-40B4-BE49-F238E27FC236}">
-                <a16:creationId xmlns:a16="http://schemas.microsoft.com/office/drawing/2014/main" id="{1E09867A-5ED3-49D7-99D4-F95F08260B39}"/>
+                <a16:creationId xmlns:a16="http://schemas.microsoft.com/office/drawing/2014/main" id="{878AF9F2-B35D-4716-83C3-55D4CDE1D7AE}"/>
               </a:ext>
             </a:extLst>
           </p:cNvPr>
@@ -8783,7 +8787,7 @@
           <a:p>
             <a:r>
               <a:rPr lang="de-DE" dirty="0"/>
-              <a:t>Ilastik for training images</a:t>
+              <a:t>Workflow: averaging</a:t>
             </a:r>
             <a:endParaRPr lang="en-CH" dirty="0"/>
           </a:p>
@@ -8794,7 +8798,7 @@
           <p:cNvPr id="3" name="Content Placeholder 2">
             <a:extLst>
               <a:ext uri="{FF2B5EF4-FFF2-40B4-BE49-F238E27FC236}">
-                <a16:creationId xmlns:a16="http://schemas.microsoft.com/office/drawing/2014/main" id="{16963D5D-D1E4-42F8-82F2-6E2550A0A68E}"/>
+                <a16:creationId xmlns:a16="http://schemas.microsoft.com/office/drawing/2014/main" id="{006F7F10-2760-4CCB-BE67-70998D052A55}"/>
               </a:ext>
             </a:extLst>
           </p:cNvPr>
@@ -8810,7 +8814,7 @@
           <a:bodyPr/>
           <a:lstStyle/>
           <a:p>
-            <a:endParaRPr lang="en-CH" dirty="0"/>
+            <a:endParaRPr lang="en-CH"/>
           </a:p>
         </p:txBody>
       </p:sp>
@@ -8819,7 +8823,7 @@
           <p:cNvPr id="4" name="Date Placeholder 3">
             <a:extLst>
               <a:ext uri="{FF2B5EF4-FFF2-40B4-BE49-F238E27FC236}">
-                <a16:creationId xmlns:a16="http://schemas.microsoft.com/office/drawing/2014/main" id="{D85C0C5B-EB6C-47BA-BEBF-25E395691076}"/>
+                <a16:creationId xmlns:a16="http://schemas.microsoft.com/office/drawing/2014/main" id="{FE95EAD3-F783-483A-B415-38864D58A095}"/>
               </a:ext>
             </a:extLst>
           </p:cNvPr>
@@ -8848,7 +8852,7 @@
           <p:cNvPr id="5" name="Footer Placeholder 4">
             <a:extLst>
               <a:ext uri="{FF2B5EF4-FFF2-40B4-BE49-F238E27FC236}">
-                <a16:creationId xmlns:a16="http://schemas.microsoft.com/office/drawing/2014/main" id="{A7D8F97D-1A04-4711-86A6-EAB88163845B}"/>
+                <a16:creationId xmlns:a16="http://schemas.microsoft.com/office/drawing/2014/main" id="{D41B6D0C-3DA5-44AA-A47F-6ABFD00A0CD1}"/>
               </a:ext>
             </a:extLst>
           </p:cNvPr>
@@ -8877,7 +8881,7 @@
           <p:cNvPr id="6" name="Slide Number Placeholder 5">
             <a:extLst>
               <a:ext uri="{FF2B5EF4-FFF2-40B4-BE49-F238E27FC236}">
-                <a16:creationId xmlns:a16="http://schemas.microsoft.com/office/drawing/2014/main" id="{FD308FEB-C875-4E4E-9754-0E458EE91E0C}"/>
+                <a16:creationId xmlns:a16="http://schemas.microsoft.com/office/drawing/2014/main" id="{4F63D26A-89BC-4A27-9F3F-F5D91A174332}"/>
               </a:ext>
             </a:extLst>
           </p:cNvPr>
@@ -8904,7 +8908,7 @@
     </p:spTree>
     <p:extLst>
       <p:ext uri="{BB962C8B-B14F-4D97-AF65-F5344CB8AC3E}">
-        <p14:creationId xmlns:p14="http://schemas.microsoft.com/office/powerpoint/2010/main" val="896928741"/>
+        <p14:creationId xmlns:p14="http://schemas.microsoft.com/office/powerpoint/2010/main" val="1288640755"/>
       </p:ext>
     </p:extLst>
   </p:cSld>
@@ -8936,7 +8940,7 @@
           <p:cNvPr id="2" name="Title 1">
             <a:extLst>
               <a:ext uri="{FF2B5EF4-FFF2-40B4-BE49-F238E27FC236}">
-                <a16:creationId xmlns:a16="http://schemas.microsoft.com/office/drawing/2014/main" id="{AC52669A-F7BB-4E82-9A10-54BF8A641E15}"/>
+                <a16:creationId xmlns:a16="http://schemas.microsoft.com/office/drawing/2014/main" id="{AA7AAD97-CFF8-4585-8B7D-5C6C58F5D5FF}"/>
               </a:ext>
             </a:extLst>
           </p:cNvPr>
@@ -8954,7 +8958,7 @@
           <a:p>
             <a:r>
               <a:rPr lang="de-DE" dirty="0"/>
-              <a:t>Output: Time-lapse video</a:t>
+              <a:t>Workflow: Quantifying improvements</a:t>
             </a:r>
             <a:endParaRPr lang="en-CH" dirty="0"/>
           </a:p>
@@ -8965,7 +8969,7 @@
           <p:cNvPr id="3" name="Content Placeholder 2">
             <a:extLst>
               <a:ext uri="{FF2B5EF4-FFF2-40B4-BE49-F238E27FC236}">
-                <a16:creationId xmlns:a16="http://schemas.microsoft.com/office/drawing/2014/main" id="{56D2502B-FD95-43F7-9B69-8A75F4C2E23C}"/>
+                <a16:creationId xmlns:a16="http://schemas.microsoft.com/office/drawing/2014/main" id="{CAE16BA7-5A49-4ED8-A524-B78D442A13AA}"/>
               </a:ext>
             </a:extLst>
           </p:cNvPr>
@@ -8990,7 +8994,7 @@
           <p:cNvPr id="4" name="Date Placeholder 3">
             <a:extLst>
               <a:ext uri="{FF2B5EF4-FFF2-40B4-BE49-F238E27FC236}">
-                <a16:creationId xmlns:a16="http://schemas.microsoft.com/office/drawing/2014/main" id="{8F8BAAF2-C15C-4CBD-935A-3DE30162AA1B}"/>
+                <a16:creationId xmlns:a16="http://schemas.microsoft.com/office/drawing/2014/main" id="{E1967ECB-0F97-4932-BD63-0E23BA6AF1E5}"/>
               </a:ext>
             </a:extLst>
           </p:cNvPr>
@@ -9019,7 +9023,7 @@
           <p:cNvPr id="5" name="Footer Placeholder 4">
             <a:extLst>
               <a:ext uri="{FF2B5EF4-FFF2-40B4-BE49-F238E27FC236}">
-                <a16:creationId xmlns:a16="http://schemas.microsoft.com/office/drawing/2014/main" id="{BA78D20C-3928-48C2-8A02-24D29ED98F3E}"/>
+                <a16:creationId xmlns:a16="http://schemas.microsoft.com/office/drawing/2014/main" id="{028965D0-B94F-4552-8F39-5693D419BAFE}"/>
               </a:ext>
             </a:extLst>
           </p:cNvPr>
@@ -9048,7 +9052,7 @@
           <p:cNvPr id="6" name="Slide Number Placeholder 5">
             <a:extLst>
               <a:ext uri="{FF2B5EF4-FFF2-40B4-BE49-F238E27FC236}">
-                <a16:creationId xmlns:a16="http://schemas.microsoft.com/office/drawing/2014/main" id="{BFFAFA5A-4807-404D-803A-BCD5E8B3E645}"/>
+                <a16:creationId xmlns:a16="http://schemas.microsoft.com/office/drawing/2014/main" id="{818A038F-ECE1-4169-AF0D-86E124BDB72A}"/>
               </a:ext>
             </a:extLst>
           </p:cNvPr>
@@ -9075,7 +9079,7 @@
     </p:spTree>
     <p:extLst>
       <p:ext uri="{BB962C8B-B14F-4D97-AF65-F5344CB8AC3E}">
-        <p14:creationId xmlns:p14="http://schemas.microsoft.com/office/powerpoint/2010/main" val="4040557341"/>
+        <p14:creationId xmlns:p14="http://schemas.microsoft.com/office/powerpoint/2010/main" val="4064396941"/>
       </p:ext>
     </p:extLst>
   </p:cSld>
@@ -9107,7 +9111,7 @@
           <p:cNvPr id="2" name="Title 1">
             <a:extLst>
               <a:ext uri="{FF2B5EF4-FFF2-40B4-BE49-F238E27FC236}">
-                <a16:creationId xmlns:a16="http://schemas.microsoft.com/office/drawing/2014/main" id="{CE974D32-2A7A-4257-83C5-561206120BE0}"/>
+                <a16:creationId xmlns:a16="http://schemas.microsoft.com/office/drawing/2014/main" id="{BF459874-AB07-4952-A6E9-3DE7C60D32CD}"/>
               </a:ext>
             </a:extLst>
           </p:cNvPr>
@@ -9125,7 +9129,7 @@
           <a:p>
             <a:r>
               <a:rPr lang="de-DE" dirty="0"/>
-              <a:t>Output linage with features, cell cycles</a:t>
+              <a:t>Clear seperation between image </a:t>
             </a:r>
             <a:endParaRPr lang="en-CH" dirty="0"/>
           </a:p>
@@ -9136,7 +9140,7 @@
           <p:cNvPr id="3" name="Content Placeholder 2">
             <a:extLst>
               <a:ext uri="{FF2B5EF4-FFF2-40B4-BE49-F238E27FC236}">
-                <a16:creationId xmlns:a16="http://schemas.microsoft.com/office/drawing/2014/main" id="{DD32336E-B604-4362-B27D-DD0F19F47896}"/>
+                <a16:creationId xmlns:a16="http://schemas.microsoft.com/office/drawing/2014/main" id="{FB4E7DD3-949D-4A2E-833C-49B800CDC7AF}"/>
               </a:ext>
             </a:extLst>
           </p:cNvPr>
@@ -9161,7 +9165,7 @@
           <p:cNvPr id="4" name="Date Placeholder 3">
             <a:extLst>
               <a:ext uri="{FF2B5EF4-FFF2-40B4-BE49-F238E27FC236}">
-                <a16:creationId xmlns:a16="http://schemas.microsoft.com/office/drawing/2014/main" id="{66EC5EFC-45BA-4CEB-ABFC-0024E3581690}"/>
+                <a16:creationId xmlns:a16="http://schemas.microsoft.com/office/drawing/2014/main" id="{7874F137-6EAA-4041-B7AE-2D6C035274F5}"/>
               </a:ext>
             </a:extLst>
           </p:cNvPr>
@@ -9190,7 +9194,7 @@
           <p:cNvPr id="5" name="Footer Placeholder 4">
             <a:extLst>
               <a:ext uri="{FF2B5EF4-FFF2-40B4-BE49-F238E27FC236}">
-                <a16:creationId xmlns:a16="http://schemas.microsoft.com/office/drawing/2014/main" id="{DFE2722D-A0EE-4E4E-9499-DDA13619A76E}"/>
+                <a16:creationId xmlns:a16="http://schemas.microsoft.com/office/drawing/2014/main" id="{A6FFCD78-A84E-4F78-B7DA-8D45B397EE91}"/>
               </a:ext>
             </a:extLst>
           </p:cNvPr>
@@ -9219,7 +9223,7 @@
           <p:cNvPr id="6" name="Slide Number Placeholder 5">
             <a:extLst>
               <a:ext uri="{FF2B5EF4-FFF2-40B4-BE49-F238E27FC236}">
-                <a16:creationId xmlns:a16="http://schemas.microsoft.com/office/drawing/2014/main" id="{EF7A543B-910F-4C22-94A4-C217AB6F3738}"/>
+                <a16:creationId xmlns:a16="http://schemas.microsoft.com/office/drawing/2014/main" id="{427179FD-F9F8-4B49-9925-5BCB5FC2D2D4}"/>
               </a:ext>
             </a:extLst>
           </p:cNvPr>
@@ -9246,7 +9250,7 @@
     </p:spTree>
     <p:extLst>
       <p:ext uri="{BB962C8B-B14F-4D97-AF65-F5344CB8AC3E}">
-        <p14:creationId xmlns:p14="http://schemas.microsoft.com/office/powerpoint/2010/main" val="1011989560"/>
+        <p14:creationId xmlns:p14="http://schemas.microsoft.com/office/powerpoint/2010/main" val="2998670411"/>
       </p:ext>
     </p:extLst>
   </p:cSld>
@@ -9278,7 +9282,7 @@
           <p:cNvPr id="2" name="Title 1">
             <a:extLst>
               <a:ext uri="{FF2B5EF4-FFF2-40B4-BE49-F238E27FC236}">
-                <a16:creationId xmlns:a16="http://schemas.microsoft.com/office/drawing/2014/main" id="{44751063-C3AF-44FB-9C84-59D8C6809CC3}"/>
+                <a16:creationId xmlns:a16="http://schemas.microsoft.com/office/drawing/2014/main" id="{EB4935C9-52C3-47F0-B8D6-4987254EA2FB}"/>
               </a:ext>
             </a:extLst>
           </p:cNvPr>
@@ -9296,7 +9300,7 @@
           <a:p>
             <a:r>
               <a:rPr lang="de-DE" dirty="0"/>
-              <a:t>Discussion</a:t>
+              <a:t>Segmentation and Tracking with U-Net</a:t>
             </a:r>
             <a:endParaRPr lang="en-CH" dirty="0"/>
           </a:p>
@@ -9307,7 +9311,7 @@
           <p:cNvPr id="3" name="Content Placeholder 2">
             <a:extLst>
               <a:ext uri="{FF2B5EF4-FFF2-40B4-BE49-F238E27FC236}">
-                <a16:creationId xmlns:a16="http://schemas.microsoft.com/office/drawing/2014/main" id="{FE1B66B3-75BA-436F-9999-0C467AD4CBD5}"/>
+                <a16:creationId xmlns:a16="http://schemas.microsoft.com/office/drawing/2014/main" id="{2DCF37D2-26DB-47C6-8CF9-E060014FF7BB}"/>
               </a:ext>
             </a:extLst>
           </p:cNvPr>
@@ -9323,7 +9327,7 @@
           <a:bodyPr/>
           <a:lstStyle/>
           <a:p>
-            <a:endParaRPr lang="en-CH"/>
+            <a:endParaRPr lang="en-CH" dirty="0"/>
           </a:p>
         </p:txBody>
       </p:sp>
@@ -9332,7 +9336,7 @@
           <p:cNvPr id="4" name="Date Placeholder 3">
             <a:extLst>
               <a:ext uri="{FF2B5EF4-FFF2-40B4-BE49-F238E27FC236}">
-                <a16:creationId xmlns:a16="http://schemas.microsoft.com/office/drawing/2014/main" id="{EEC03718-E7DD-431A-9764-BDCD62FCB316}"/>
+                <a16:creationId xmlns:a16="http://schemas.microsoft.com/office/drawing/2014/main" id="{C1E3DC5E-8CA9-4CDC-8B64-05B769BC557D}"/>
               </a:ext>
             </a:extLst>
           </p:cNvPr>
@@ -9361,7 +9365,7 @@
           <p:cNvPr id="5" name="Footer Placeholder 4">
             <a:extLst>
               <a:ext uri="{FF2B5EF4-FFF2-40B4-BE49-F238E27FC236}">
-                <a16:creationId xmlns:a16="http://schemas.microsoft.com/office/drawing/2014/main" id="{8DD42AFA-F6DA-4DF3-94B1-C8233D9EC7CC}"/>
+                <a16:creationId xmlns:a16="http://schemas.microsoft.com/office/drawing/2014/main" id="{105BBF9C-34DB-4502-9B12-2D3CEE63C397}"/>
               </a:ext>
             </a:extLst>
           </p:cNvPr>
@@ -9390,7 +9394,7 @@
           <p:cNvPr id="6" name="Slide Number Placeholder 5">
             <a:extLst>
               <a:ext uri="{FF2B5EF4-FFF2-40B4-BE49-F238E27FC236}">
-                <a16:creationId xmlns:a16="http://schemas.microsoft.com/office/drawing/2014/main" id="{076A0119-F030-4B25-8F36-6A99719439E2}"/>
+                <a16:creationId xmlns:a16="http://schemas.microsoft.com/office/drawing/2014/main" id="{73DFB7B6-B92B-4FCB-82CD-F3452CD52B47}"/>
               </a:ext>
             </a:extLst>
           </p:cNvPr>
@@ -9417,7 +9421,7 @@
     </p:spTree>
     <p:extLst>
       <p:ext uri="{BB962C8B-B14F-4D97-AF65-F5344CB8AC3E}">
-        <p14:creationId xmlns:p14="http://schemas.microsoft.com/office/powerpoint/2010/main" val="896015813"/>
+        <p14:creationId xmlns:p14="http://schemas.microsoft.com/office/powerpoint/2010/main" val="1297936948"/>
       </p:ext>
     </p:extLst>
   </p:cSld>
@@ -9449,7 +9453,7 @@
           <p:cNvPr id="2" name="Title 1">
             <a:extLst>
               <a:ext uri="{FF2B5EF4-FFF2-40B4-BE49-F238E27FC236}">
-                <a16:creationId xmlns:a16="http://schemas.microsoft.com/office/drawing/2014/main" id="{BAE3A06E-1BD4-4B72-8298-3C89E87D0AEA}"/>
+                <a16:creationId xmlns:a16="http://schemas.microsoft.com/office/drawing/2014/main" id="{1E09867A-5ED3-49D7-99D4-F95F08260B39}"/>
               </a:ext>
             </a:extLst>
           </p:cNvPr>
@@ -9467,7 +9471,14 @@
           <a:p>
             <a:r>
               <a:rPr lang="de-DE" dirty="0"/>
-              <a:t>Outlook</a:t>
+              <a:t>What is Ilastik </a:t>
+            </a:r>
+            <a:br>
+              <a:rPr lang="de-DE" dirty="0"/>
+            </a:br>
+            <a:r>
+              <a:rPr lang="de-DE" dirty="0"/>
+              <a:t>Ilastik for training images</a:t>
             </a:r>
             <a:endParaRPr lang="en-CH" dirty="0"/>
           </a:p>
@@ -9478,7 +9489,7 @@
           <p:cNvPr id="3" name="Content Placeholder 2">
             <a:extLst>
               <a:ext uri="{FF2B5EF4-FFF2-40B4-BE49-F238E27FC236}">
-                <a16:creationId xmlns:a16="http://schemas.microsoft.com/office/drawing/2014/main" id="{3A8DB2B3-5875-48ED-8EF4-0E1E6610E2BA}"/>
+                <a16:creationId xmlns:a16="http://schemas.microsoft.com/office/drawing/2014/main" id="{16963D5D-D1E4-42F8-82F2-6E2550A0A68E}"/>
               </a:ext>
             </a:extLst>
           </p:cNvPr>
@@ -9494,7 +9505,7 @@
           <a:bodyPr/>
           <a:lstStyle/>
           <a:p>
-            <a:endParaRPr lang="en-CH"/>
+            <a:endParaRPr lang="en-CH" dirty="0"/>
           </a:p>
         </p:txBody>
       </p:sp>
@@ -9503,7 +9514,7 @@
           <p:cNvPr id="4" name="Date Placeholder 3">
             <a:extLst>
               <a:ext uri="{FF2B5EF4-FFF2-40B4-BE49-F238E27FC236}">
-                <a16:creationId xmlns:a16="http://schemas.microsoft.com/office/drawing/2014/main" id="{9113E3E0-18F8-4B69-A235-62B8B75FDD84}"/>
+                <a16:creationId xmlns:a16="http://schemas.microsoft.com/office/drawing/2014/main" id="{D85C0C5B-EB6C-47BA-BEBF-25E395691076}"/>
               </a:ext>
             </a:extLst>
           </p:cNvPr>
@@ -9532,7 +9543,7 @@
           <p:cNvPr id="5" name="Footer Placeholder 4">
             <a:extLst>
               <a:ext uri="{FF2B5EF4-FFF2-40B4-BE49-F238E27FC236}">
-                <a16:creationId xmlns:a16="http://schemas.microsoft.com/office/drawing/2014/main" id="{0350AD23-46F2-47A3-BAA6-6DB5030EDE2F}"/>
+                <a16:creationId xmlns:a16="http://schemas.microsoft.com/office/drawing/2014/main" id="{A7D8F97D-1A04-4711-86A6-EAB88163845B}"/>
               </a:ext>
             </a:extLst>
           </p:cNvPr>
@@ -9561,7 +9572,7 @@
           <p:cNvPr id="6" name="Slide Number Placeholder 5">
             <a:extLst>
               <a:ext uri="{FF2B5EF4-FFF2-40B4-BE49-F238E27FC236}">
-                <a16:creationId xmlns:a16="http://schemas.microsoft.com/office/drawing/2014/main" id="{880414E2-280D-4362-8577-6C464D727393}"/>
+                <a16:creationId xmlns:a16="http://schemas.microsoft.com/office/drawing/2014/main" id="{FD308FEB-C875-4E4E-9754-0E458EE91E0C}"/>
               </a:ext>
             </a:extLst>
           </p:cNvPr>
@@ -9588,7 +9599,7 @@
     </p:spTree>
     <p:extLst>
       <p:ext uri="{BB962C8B-B14F-4D97-AF65-F5344CB8AC3E}">
-        <p14:creationId xmlns:p14="http://schemas.microsoft.com/office/powerpoint/2010/main" val="3608059397"/>
+        <p14:creationId xmlns:p14="http://schemas.microsoft.com/office/powerpoint/2010/main" val="896928741"/>
       </p:ext>
     </p:extLst>
   </p:cSld>
@@ -9620,7 +9631,7 @@
           <p:cNvPr id="2" name="Title 1">
             <a:extLst>
               <a:ext uri="{FF2B5EF4-FFF2-40B4-BE49-F238E27FC236}">
-                <a16:creationId xmlns:a16="http://schemas.microsoft.com/office/drawing/2014/main" id="{9746CBD3-2C16-426D-990A-AF1BC6EC3DD4}"/>
+                <a16:creationId xmlns:a16="http://schemas.microsoft.com/office/drawing/2014/main" id="{AC52669A-F7BB-4E82-9A10-54BF8A641E15}"/>
               </a:ext>
             </a:extLst>
           </p:cNvPr>
@@ -9638,7 +9649,7 @@
           <a:p>
             <a:r>
               <a:rPr lang="de-DE" dirty="0"/>
-              <a:t>Questions</a:t>
+              <a:t>Output: Time-lapse video</a:t>
             </a:r>
             <a:endParaRPr lang="en-CH" dirty="0"/>
           </a:p>
@@ -9649,7 +9660,7 @@
           <p:cNvPr id="3" name="Content Placeholder 2">
             <a:extLst>
               <a:ext uri="{FF2B5EF4-FFF2-40B4-BE49-F238E27FC236}">
-                <a16:creationId xmlns:a16="http://schemas.microsoft.com/office/drawing/2014/main" id="{73D515A5-EAF7-4E43-8D46-1C2C1A649688}"/>
+                <a16:creationId xmlns:a16="http://schemas.microsoft.com/office/drawing/2014/main" id="{56D2502B-FD95-43F7-9B69-8A75F4C2E23C}"/>
               </a:ext>
             </a:extLst>
           </p:cNvPr>
@@ -9674,7 +9685,7 @@
           <p:cNvPr id="4" name="Date Placeholder 3">
             <a:extLst>
               <a:ext uri="{FF2B5EF4-FFF2-40B4-BE49-F238E27FC236}">
-                <a16:creationId xmlns:a16="http://schemas.microsoft.com/office/drawing/2014/main" id="{5FD01710-D21E-4899-B789-137F3C643579}"/>
+                <a16:creationId xmlns:a16="http://schemas.microsoft.com/office/drawing/2014/main" id="{8F8BAAF2-C15C-4CBD-935A-3DE30162AA1B}"/>
               </a:ext>
             </a:extLst>
           </p:cNvPr>
@@ -9703,7 +9714,7 @@
           <p:cNvPr id="5" name="Footer Placeholder 4">
             <a:extLst>
               <a:ext uri="{FF2B5EF4-FFF2-40B4-BE49-F238E27FC236}">
-                <a16:creationId xmlns:a16="http://schemas.microsoft.com/office/drawing/2014/main" id="{D433FBC0-D2B6-473C-A9EA-DEC04827739D}"/>
+                <a16:creationId xmlns:a16="http://schemas.microsoft.com/office/drawing/2014/main" id="{BA78D20C-3928-48C2-8A02-24D29ED98F3E}"/>
               </a:ext>
             </a:extLst>
           </p:cNvPr>
@@ -9732,7 +9743,7 @@
           <p:cNvPr id="6" name="Slide Number Placeholder 5">
             <a:extLst>
               <a:ext uri="{FF2B5EF4-FFF2-40B4-BE49-F238E27FC236}">
-                <a16:creationId xmlns:a16="http://schemas.microsoft.com/office/drawing/2014/main" id="{02E1D819-7DBE-47B2-A771-45E54CF24E5F}"/>
+                <a16:creationId xmlns:a16="http://schemas.microsoft.com/office/drawing/2014/main" id="{BFFAFA5A-4807-404D-803A-BCD5E8B3E645}"/>
               </a:ext>
             </a:extLst>
           </p:cNvPr>
@@ -9759,7 +9770,7 @@
     </p:spTree>
     <p:extLst>
       <p:ext uri="{BB962C8B-B14F-4D97-AF65-F5344CB8AC3E}">
-        <p14:creationId xmlns:p14="http://schemas.microsoft.com/office/powerpoint/2010/main" val="1331092698"/>
+        <p14:creationId xmlns:p14="http://schemas.microsoft.com/office/powerpoint/2010/main" val="4040557341"/>
       </p:ext>
     </p:extLst>
   </p:cSld>
@@ -9956,6 +9967,700 @@
 </p:sld>
 </file>
 
+<file path=ppt/slides/slide20.xml><?xml version="1.0" encoding="utf-8"?>
+<p:sld xmlns:a="http://schemas.openxmlformats.org/drawingml/2006/main" xmlns:r="http://schemas.openxmlformats.org/officeDocument/2006/relationships" xmlns:p="http://schemas.openxmlformats.org/presentationml/2006/main">
+  <p:cSld>
+    <p:spTree>
+      <p:nvGrpSpPr>
+        <p:cNvPr id="1" name=""/>
+        <p:cNvGrpSpPr/>
+        <p:nvPr/>
+      </p:nvGrpSpPr>
+      <p:grpSpPr>
+        <a:xfrm>
+          <a:off x="0" y="0"/>
+          <a:ext cx="0" cy="0"/>
+          <a:chOff x="0" y="0"/>
+          <a:chExt cx="0" cy="0"/>
+        </a:xfrm>
+      </p:grpSpPr>
+      <p:sp>
+        <p:nvSpPr>
+          <p:cNvPr id="2" name="Title 1">
+            <a:extLst>
+              <a:ext uri="{FF2B5EF4-FFF2-40B4-BE49-F238E27FC236}">
+                <a16:creationId xmlns:a16="http://schemas.microsoft.com/office/drawing/2014/main" id="{CE974D32-2A7A-4257-83C5-561206120BE0}"/>
+              </a:ext>
+            </a:extLst>
+          </p:cNvPr>
+          <p:cNvSpPr>
+            <a:spLocks noGrp="1"/>
+          </p:cNvSpPr>
+          <p:nvPr>
+            <p:ph type="title"/>
+          </p:nvPr>
+        </p:nvSpPr>
+        <p:spPr/>
+        <p:txBody>
+          <a:bodyPr/>
+          <a:lstStyle/>
+          <a:p>
+            <a:r>
+              <a:rPr lang="de-DE" dirty="0"/>
+              <a:t>Output linage with features, cell cycles</a:t>
+            </a:r>
+            <a:endParaRPr lang="en-CH" dirty="0"/>
+          </a:p>
+        </p:txBody>
+      </p:sp>
+      <p:sp>
+        <p:nvSpPr>
+          <p:cNvPr id="3" name="Content Placeholder 2">
+            <a:extLst>
+              <a:ext uri="{FF2B5EF4-FFF2-40B4-BE49-F238E27FC236}">
+                <a16:creationId xmlns:a16="http://schemas.microsoft.com/office/drawing/2014/main" id="{DD32336E-B604-4362-B27D-DD0F19F47896}"/>
+              </a:ext>
+            </a:extLst>
+          </p:cNvPr>
+          <p:cNvSpPr>
+            <a:spLocks noGrp="1"/>
+          </p:cNvSpPr>
+          <p:nvPr>
+            <p:ph idx="1"/>
+          </p:nvPr>
+        </p:nvSpPr>
+        <p:spPr/>
+        <p:txBody>
+          <a:bodyPr/>
+          <a:lstStyle/>
+          <a:p>
+            <a:endParaRPr lang="en-CH"/>
+          </a:p>
+        </p:txBody>
+      </p:sp>
+      <p:sp>
+        <p:nvSpPr>
+          <p:cNvPr id="4" name="Date Placeholder 3">
+            <a:extLst>
+              <a:ext uri="{FF2B5EF4-FFF2-40B4-BE49-F238E27FC236}">
+                <a16:creationId xmlns:a16="http://schemas.microsoft.com/office/drawing/2014/main" id="{66EC5EFC-45BA-4CEB-ABFC-0024E3581690}"/>
+              </a:ext>
+            </a:extLst>
+          </p:cNvPr>
+          <p:cNvSpPr>
+            <a:spLocks noGrp="1"/>
+          </p:cNvSpPr>
+          <p:nvPr>
+            <p:ph type="dt" sz="half" idx="10"/>
+          </p:nvPr>
+        </p:nvSpPr>
+        <p:spPr/>
+        <p:txBody>
+          <a:bodyPr/>
+          <a:lstStyle/>
+          <a:p>
+            <a:fld id="{11B96697-4585-4368-989A-16003D150648}" type="datetime1">
+              <a:rPr lang="de-CH" noProof="0" smtClean="0"/>
+              <a:t>28.08.2023</a:t>
+            </a:fld>
+            <a:endParaRPr lang="de-CH" noProof="0"/>
+          </a:p>
+        </p:txBody>
+      </p:sp>
+      <p:sp>
+        <p:nvSpPr>
+          <p:cNvPr id="5" name="Footer Placeholder 4">
+            <a:extLst>
+              <a:ext uri="{FF2B5EF4-FFF2-40B4-BE49-F238E27FC236}">
+                <a16:creationId xmlns:a16="http://schemas.microsoft.com/office/drawing/2014/main" id="{DFE2722D-A0EE-4E4E-9499-DDA13619A76E}"/>
+              </a:ext>
+            </a:extLst>
+          </p:cNvPr>
+          <p:cNvSpPr>
+            <a:spLocks noGrp="1"/>
+          </p:cNvSpPr>
+          <p:nvPr>
+            <p:ph type="ftr" sz="quarter" idx="11"/>
+          </p:nvPr>
+        </p:nvSpPr>
+        <p:spPr/>
+        <p:txBody>
+          <a:bodyPr/>
+          <a:lstStyle/>
+          <a:p>
+            <a:r>
+              <a:rPr lang="de-DE" noProof="0"/>
+              <a:t>Organisationseinheit verbal</a:t>
+            </a:r>
+            <a:endParaRPr lang="de-CH" noProof="0" dirty="0"/>
+          </a:p>
+        </p:txBody>
+      </p:sp>
+      <p:sp>
+        <p:nvSpPr>
+          <p:cNvPr id="6" name="Slide Number Placeholder 5">
+            <a:extLst>
+              <a:ext uri="{FF2B5EF4-FFF2-40B4-BE49-F238E27FC236}">
+                <a16:creationId xmlns:a16="http://schemas.microsoft.com/office/drawing/2014/main" id="{EF7A543B-910F-4C22-94A4-C217AB6F3738}"/>
+              </a:ext>
+            </a:extLst>
+          </p:cNvPr>
+          <p:cNvSpPr>
+            <a:spLocks noGrp="1"/>
+          </p:cNvSpPr>
+          <p:nvPr>
+            <p:ph type="sldNum" sz="quarter" idx="12"/>
+          </p:nvPr>
+        </p:nvSpPr>
+        <p:spPr/>
+        <p:txBody>
+          <a:bodyPr/>
+          <a:lstStyle/>
+          <a:p>
+            <a:fld id="{5ACA52AF-F19D-405C-AD5F-7D94B96A5CC3}" type="slidenum">
+              <a:rPr lang="de-CH" noProof="0" smtClean="0"/>
+              <a:t>20</a:t>
+            </a:fld>
+            <a:endParaRPr lang="de-CH" noProof="0"/>
+          </a:p>
+        </p:txBody>
+      </p:sp>
+    </p:spTree>
+    <p:extLst>
+      <p:ext uri="{BB962C8B-B14F-4D97-AF65-F5344CB8AC3E}">
+        <p14:creationId xmlns:p14="http://schemas.microsoft.com/office/powerpoint/2010/main" val="1011989560"/>
+      </p:ext>
+    </p:extLst>
+  </p:cSld>
+  <p:clrMapOvr>
+    <a:masterClrMapping/>
+  </p:clrMapOvr>
+</p:sld>
+</file>
+
+<file path=ppt/slides/slide21.xml><?xml version="1.0" encoding="utf-8"?>
+<p:sld xmlns:a="http://schemas.openxmlformats.org/drawingml/2006/main" xmlns:r="http://schemas.openxmlformats.org/officeDocument/2006/relationships" xmlns:p="http://schemas.openxmlformats.org/presentationml/2006/main">
+  <p:cSld>
+    <p:spTree>
+      <p:nvGrpSpPr>
+        <p:cNvPr id="1" name=""/>
+        <p:cNvGrpSpPr/>
+        <p:nvPr/>
+      </p:nvGrpSpPr>
+      <p:grpSpPr>
+        <a:xfrm>
+          <a:off x="0" y="0"/>
+          <a:ext cx="0" cy="0"/>
+          <a:chOff x="0" y="0"/>
+          <a:chExt cx="0" cy="0"/>
+        </a:xfrm>
+      </p:grpSpPr>
+      <p:sp>
+        <p:nvSpPr>
+          <p:cNvPr id="2" name="Title 1">
+            <a:extLst>
+              <a:ext uri="{FF2B5EF4-FFF2-40B4-BE49-F238E27FC236}">
+                <a16:creationId xmlns:a16="http://schemas.microsoft.com/office/drawing/2014/main" id="{44751063-C3AF-44FB-9C84-59D8C6809CC3}"/>
+              </a:ext>
+            </a:extLst>
+          </p:cNvPr>
+          <p:cNvSpPr>
+            <a:spLocks noGrp="1"/>
+          </p:cNvSpPr>
+          <p:nvPr>
+            <p:ph type="title"/>
+          </p:nvPr>
+        </p:nvSpPr>
+        <p:spPr/>
+        <p:txBody>
+          <a:bodyPr/>
+          <a:lstStyle/>
+          <a:p>
+            <a:r>
+              <a:rPr lang="de-DE" dirty="0"/>
+              <a:t>Summary, pros and cons</a:t>
+            </a:r>
+            <a:endParaRPr lang="en-CH" dirty="0"/>
+          </a:p>
+        </p:txBody>
+      </p:sp>
+      <p:sp>
+        <p:nvSpPr>
+          <p:cNvPr id="3" name="Content Placeholder 2">
+            <a:extLst>
+              <a:ext uri="{FF2B5EF4-FFF2-40B4-BE49-F238E27FC236}">
+                <a16:creationId xmlns:a16="http://schemas.microsoft.com/office/drawing/2014/main" id="{FE1B66B3-75BA-436F-9999-0C467AD4CBD5}"/>
+              </a:ext>
+            </a:extLst>
+          </p:cNvPr>
+          <p:cNvSpPr>
+            <a:spLocks noGrp="1"/>
+          </p:cNvSpPr>
+          <p:nvPr>
+            <p:ph idx="1"/>
+          </p:nvPr>
+        </p:nvSpPr>
+        <p:spPr/>
+        <p:txBody>
+          <a:bodyPr/>
+          <a:lstStyle/>
+          <a:p>
+            <a:endParaRPr lang="en-CH"/>
+          </a:p>
+        </p:txBody>
+      </p:sp>
+      <p:sp>
+        <p:nvSpPr>
+          <p:cNvPr id="4" name="Date Placeholder 3">
+            <a:extLst>
+              <a:ext uri="{FF2B5EF4-FFF2-40B4-BE49-F238E27FC236}">
+                <a16:creationId xmlns:a16="http://schemas.microsoft.com/office/drawing/2014/main" id="{EEC03718-E7DD-431A-9764-BDCD62FCB316}"/>
+              </a:ext>
+            </a:extLst>
+          </p:cNvPr>
+          <p:cNvSpPr>
+            <a:spLocks noGrp="1"/>
+          </p:cNvSpPr>
+          <p:nvPr>
+            <p:ph type="dt" sz="half" idx="10"/>
+          </p:nvPr>
+        </p:nvSpPr>
+        <p:spPr/>
+        <p:txBody>
+          <a:bodyPr/>
+          <a:lstStyle/>
+          <a:p>
+            <a:fld id="{11B96697-4585-4368-989A-16003D150648}" type="datetime1">
+              <a:rPr lang="de-CH" noProof="0" smtClean="0"/>
+              <a:t>28.08.2023</a:t>
+            </a:fld>
+            <a:endParaRPr lang="de-CH" noProof="0"/>
+          </a:p>
+        </p:txBody>
+      </p:sp>
+      <p:sp>
+        <p:nvSpPr>
+          <p:cNvPr id="5" name="Footer Placeholder 4">
+            <a:extLst>
+              <a:ext uri="{FF2B5EF4-FFF2-40B4-BE49-F238E27FC236}">
+                <a16:creationId xmlns:a16="http://schemas.microsoft.com/office/drawing/2014/main" id="{8DD42AFA-F6DA-4DF3-94B1-C8233D9EC7CC}"/>
+              </a:ext>
+            </a:extLst>
+          </p:cNvPr>
+          <p:cNvSpPr>
+            <a:spLocks noGrp="1"/>
+          </p:cNvSpPr>
+          <p:nvPr>
+            <p:ph type="ftr" sz="quarter" idx="11"/>
+          </p:nvPr>
+        </p:nvSpPr>
+        <p:spPr/>
+        <p:txBody>
+          <a:bodyPr/>
+          <a:lstStyle/>
+          <a:p>
+            <a:r>
+              <a:rPr lang="de-DE" noProof="0"/>
+              <a:t>Organisationseinheit verbal</a:t>
+            </a:r>
+            <a:endParaRPr lang="de-CH" noProof="0" dirty="0"/>
+          </a:p>
+        </p:txBody>
+      </p:sp>
+      <p:sp>
+        <p:nvSpPr>
+          <p:cNvPr id="6" name="Slide Number Placeholder 5">
+            <a:extLst>
+              <a:ext uri="{FF2B5EF4-FFF2-40B4-BE49-F238E27FC236}">
+                <a16:creationId xmlns:a16="http://schemas.microsoft.com/office/drawing/2014/main" id="{076A0119-F030-4B25-8F36-6A99719439E2}"/>
+              </a:ext>
+            </a:extLst>
+          </p:cNvPr>
+          <p:cNvSpPr>
+            <a:spLocks noGrp="1"/>
+          </p:cNvSpPr>
+          <p:nvPr>
+            <p:ph type="sldNum" sz="quarter" idx="12"/>
+          </p:nvPr>
+        </p:nvSpPr>
+        <p:spPr/>
+        <p:txBody>
+          <a:bodyPr/>
+          <a:lstStyle/>
+          <a:p>
+            <a:fld id="{5ACA52AF-F19D-405C-AD5F-7D94B96A5CC3}" type="slidenum">
+              <a:rPr lang="de-CH" noProof="0" smtClean="0"/>
+              <a:t>21</a:t>
+            </a:fld>
+            <a:endParaRPr lang="de-CH" noProof="0"/>
+          </a:p>
+        </p:txBody>
+      </p:sp>
+    </p:spTree>
+    <p:extLst>
+      <p:ext uri="{BB962C8B-B14F-4D97-AF65-F5344CB8AC3E}">
+        <p14:creationId xmlns:p14="http://schemas.microsoft.com/office/powerpoint/2010/main" val="896015813"/>
+      </p:ext>
+    </p:extLst>
+  </p:cSld>
+  <p:clrMapOvr>
+    <a:masterClrMapping/>
+  </p:clrMapOvr>
+</p:sld>
+</file>
+
+<file path=ppt/slides/slide22.xml><?xml version="1.0" encoding="utf-8"?>
+<p:sld xmlns:a="http://schemas.openxmlformats.org/drawingml/2006/main" xmlns:r="http://schemas.openxmlformats.org/officeDocument/2006/relationships" xmlns:p="http://schemas.openxmlformats.org/presentationml/2006/main">
+  <p:cSld>
+    <p:spTree>
+      <p:nvGrpSpPr>
+        <p:cNvPr id="1" name=""/>
+        <p:cNvGrpSpPr/>
+        <p:nvPr/>
+      </p:nvGrpSpPr>
+      <p:grpSpPr>
+        <a:xfrm>
+          <a:off x="0" y="0"/>
+          <a:ext cx="0" cy="0"/>
+          <a:chOff x="0" y="0"/>
+          <a:chExt cx="0" cy="0"/>
+        </a:xfrm>
+      </p:grpSpPr>
+      <p:sp>
+        <p:nvSpPr>
+          <p:cNvPr id="2" name="Title 1">
+            <a:extLst>
+              <a:ext uri="{FF2B5EF4-FFF2-40B4-BE49-F238E27FC236}">
+                <a16:creationId xmlns:a16="http://schemas.microsoft.com/office/drawing/2014/main" id="{BAE3A06E-1BD4-4B72-8298-3C89E87D0AEA}"/>
+              </a:ext>
+            </a:extLst>
+          </p:cNvPr>
+          <p:cNvSpPr>
+            <a:spLocks noGrp="1"/>
+          </p:cNvSpPr>
+          <p:nvPr>
+            <p:ph type="title"/>
+          </p:nvPr>
+        </p:nvSpPr>
+        <p:spPr/>
+        <p:txBody>
+          <a:bodyPr/>
+          <a:lstStyle/>
+          <a:p>
+            <a:r>
+              <a:rPr lang="de-DE" dirty="0"/>
+              <a:t>Summary and outlook</a:t>
+            </a:r>
+            <a:endParaRPr lang="en-CH" dirty="0"/>
+          </a:p>
+        </p:txBody>
+      </p:sp>
+      <p:sp>
+        <p:nvSpPr>
+          <p:cNvPr id="3" name="Content Placeholder 2">
+            <a:extLst>
+              <a:ext uri="{FF2B5EF4-FFF2-40B4-BE49-F238E27FC236}">
+                <a16:creationId xmlns:a16="http://schemas.microsoft.com/office/drawing/2014/main" id="{3A8DB2B3-5875-48ED-8EF4-0E1E6610E2BA}"/>
+              </a:ext>
+            </a:extLst>
+          </p:cNvPr>
+          <p:cNvSpPr>
+            <a:spLocks noGrp="1"/>
+          </p:cNvSpPr>
+          <p:nvPr>
+            <p:ph idx="1"/>
+          </p:nvPr>
+        </p:nvSpPr>
+        <p:spPr/>
+        <p:txBody>
+          <a:bodyPr/>
+          <a:lstStyle/>
+          <a:p>
+            <a:r>
+              <a:rPr lang="de-DE" dirty="0"/>
+              <a:t>Images</a:t>
+            </a:r>
+          </a:p>
+          <a:p>
+            <a:r>
+              <a:rPr lang="de-DE" dirty="0"/>
+              <a:t>Easy, explanation what was done</a:t>
+            </a:r>
+            <a:endParaRPr lang="en-CH" dirty="0"/>
+          </a:p>
+        </p:txBody>
+      </p:sp>
+      <p:sp>
+        <p:nvSpPr>
+          <p:cNvPr id="4" name="Date Placeholder 3">
+            <a:extLst>
+              <a:ext uri="{FF2B5EF4-FFF2-40B4-BE49-F238E27FC236}">
+                <a16:creationId xmlns:a16="http://schemas.microsoft.com/office/drawing/2014/main" id="{9113E3E0-18F8-4B69-A235-62B8B75FDD84}"/>
+              </a:ext>
+            </a:extLst>
+          </p:cNvPr>
+          <p:cNvSpPr>
+            <a:spLocks noGrp="1"/>
+          </p:cNvSpPr>
+          <p:nvPr>
+            <p:ph type="dt" sz="half" idx="10"/>
+          </p:nvPr>
+        </p:nvSpPr>
+        <p:spPr/>
+        <p:txBody>
+          <a:bodyPr/>
+          <a:lstStyle/>
+          <a:p>
+            <a:fld id="{11B96697-4585-4368-989A-16003D150648}" type="datetime1">
+              <a:rPr lang="de-CH" noProof="0" smtClean="0"/>
+              <a:t>28.08.2023</a:t>
+            </a:fld>
+            <a:endParaRPr lang="de-CH" noProof="0"/>
+          </a:p>
+        </p:txBody>
+      </p:sp>
+      <p:sp>
+        <p:nvSpPr>
+          <p:cNvPr id="5" name="Footer Placeholder 4">
+            <a:extLst>
+              <a:ext uri="{FF2B5EF4-FFF2-40B4-BE49-F238E27FC236}">
+                <a16:creationId xmlns:a16="http://schemas.microsoft.com/office/drawing/2014/main" id="{0350AD23-46F2-47A3-BAA6-6DB5030EDE2F}"/>
+              </a:ext>
+            </a:extLst>
+          </p:cNvPr>
+          <p:cNvSpPr>
+            <a:spLocks noGrp="1"/>
+          </p:cNvSpPr>
+          <p:nvPr>
+            <p:ph type="ftr" sz="quarter" idx="11"/>
+          </p:nvPr>
+        </p:nvSpPr>
+        <p:spPr/>
+        <p:txBody>
+          <a:bodyPr/>
+          <a:lstStyle/>
+          <a:p>
+            <a:r>
+              <a:rPr lang="de-DE" noProof="0"/>
+              <a:t>Organisationseinheit verbal</a:t>
+            </a:r>
+            <a:endParaRPr lang="de-CH" noProof="0" dirty="0"/>
+          </a:p>
+        </p:txBody>
+      </p:sp>
+      <p:sp>
+        <p:nvSpPr>
+          <p:cNvPr id="6" name="Slide Number Placeholder 5">
+            <a:extLst>
+              <a:ext uri="{FF2B5EF4-FFF2-40B4-BE49-F238E27FC236}">
+                <a16:creationId xmlns:a16="http://schemas.microsoft.com/office/drawing/2014/main" id="{880414E2-280D-4362-8577-6C464D727393}"/>
+              </a:ext>
+            </a:extLst>
+          </p:cNvPr>
+          <p:cNvSpPr>
+            <a:spLocks noGrp="1"/>
+          </p:cNvSpPr>
+          <p:nvPr>
+            <p:ph type="sldNum" sz="quarter" idx="12"/>
+          </p:nvPr>
+        </p:nvSpPr>
+        <p:spPr/>
+        <p:txBody>
+          <a:bodyPr/>
+          <a:lstStyle/>
+          <a:p>
+            <a:fld id="{5ACA52AF-F19D-405C-AD5F-7D94B96A5CC3}" type="slidenum">
+              <a:rPr lang="de-CH" noProof="0" smtClean="0"/>
+              <a:t>22</a:t>
+            </a:fld>
+            <a:endParaRPr lang="de-CH" noProof="0"/>
+          </a:p>
+        </p:txBody>
+      </p:sp>
+    </p:spTree>
+    <p:extLst>
+      <p:ext uri="{BB962C8B-B14F-4D97-AF65-F5344CB8AC3E}">
+        <p14:creationId xmlns:p14="http://schemas.microsoft.com/office/powerpoint/2010/main" val="3608059397"/>
+      </p:ext>
+    </p:extLst>
+  </p:cSld>
+  <p:clrMapOvr>
+    <a:masterClrMapping/>
+  </p:clrMapOvr>
+</p:sld>
+</file>
+
+<file path=ppt/slides/slide23.xml><?xml version="1.0" encoding="utf-8"?>
+<p:sld xmlns:a="http://schemas.openxmlformats.org/drawingml/2006/main" xmlns:r="http://schemas.openxmlformats.org/officeDocument/2006/relationships" xmlns:p="http://schemas.openxmlformats.org/presentationml/2006/main">
+  <p:cSld>
+    <p:spTree>
+      <p:nvGrpSpPr>
+        <p:cNvPr id="1" name=""/>
+        <p:cNvGrpSpPr/>
+        <p:nvPr/>
+      </p:nvGrpSpPr>
+      <p:grpSpPr>
+        <a:xfrm>
+          <a:off x="0" y="0"/>
+          <a:ext cx="0" cy="0"/>
+          <a:chOff x="0" y="0"/>
+          <a:chExt cx="0" cy="0"/>
+        </a:xfrm>
+      </p:grpSpPr>
+      <p:sp>
+        <p:nvSpPr>
+          <p:cNvPr id="2" name="Title 1">
+            <a:extLst>
+              <a:ext uri="{FF2B5EF4-FFF2-40B4-BE49-F238E27FC236}">
+                <a16:creationId xmlns:a16="http://schemas.microsoft.com/office/drawing/2014/main" id="{9746CBD3-2C16-426D-990A-AF1BC6EC3DD4}"/>
+              </a:ext>
+            </a:extLst>
+          </p:cNvPr>
+          <p:cNvSpPr>
+            <a:spLocks noGrp="1"/>
+          </p:cNvSpPr>
+          <p:nvPr>
+            <p:ph type="title"/>
+          </p:nvPr>
+        </p:nvSpPr>
+        <p:spPr/>
+        <p:txBody>
+          <a:bodyPr/>
+          <a:lstStyle/>
+          <a:p>
+            <a:r>
+              <a:rPr lang="de-DE" dirty="0"/>
+              <a:t>Questions</a:t>
+            </a:r>
+            <a:endParaRPr lang="en-CH" dirty="0"/>
+          </a:p>
+        </p:txBody>
+      </p:sp>
+      <p:sp>
+        <p:nvSpPr>
+          <p:cNvPr id="3" name="Content Placeholder 2">
+            <a:extLst>
+              <a:ext uri="{FF2B5EF4-FFF2-40B4-BE49-F238E27FC236}">
+                <a16:creationId xmlns:a16="http://schemas.microsoft.com/office/drawing/2014/main" id="{73D515A5-EAF7-4E43-8D46-1C2C1A649688}"/>
+              </a:ext>
+            </a:extLst>
+          </p:cNvPr>
+          <p:cNvSpPr>
+            <a:spLocks noGrp="1"/>
+          </p:cNvSpPr>
+          <p:nvPr>
+            <p:ph idx="1"/>
+          </p:nvPr>
+        </p:nvSpPr>
+        <p:spPr/>
+        <p:txBody>
+          <a:bodyPr/>
+          <a:lstStyle/>
+          <a:p>
+            <a:endParaRPr lang="en-CH"/>
+          </a:p>
+        </p:txBody>
+      </p:sp>
+      <p:sp>
+        <p:nvSpPr>
+          <p:cNvPr id="4" name="Date Placeholder 3">
+            <a:extLst>
+              <a:ext uri="{FF2B5EF4-FFF2-40B4-BE49-F238E27FC236}">
+                <a16:creationId xmlns:a16="http://schemas.microsoft.com/office/drawing/2014/main" id="{5FD01710-D21E-4899-B789-137F3C643579}"/>
+              </a:ext>
+            </a:extLst>
+          </p:cNvPr>
+          <p:cNvSpPr>
+            <a:spLocks noGrp="1"/>
+          </p:cNvSpPr>
+          <p:nvPr>
+            <p:ph type="dt" sz="half" idx="10"/>
+          </p:nvPr>
+        </p:nvSpPr>
+        <p:spPr/>
+        <p:txBody>
+          <a:bodyPr/>
+          <a:lstStyle/>
+          <a:p>
+            <a:fld id="{11B96697-4585-4368-989A-16003D150648}" type="datetime1">
+              <a:rPr lang="de-CH" noProof="0" smtClean="0"/>
+              <a:t>28.08.2023</a:t>
+            </a:fld>
+            <a:endParaRPr lang="de-CH" noProof="0"/>
+          </a:p>
+        </p:txBody>
+      </p:sp>
+      <p:sp>
+        <p:nvSpPr>
+          <p:cNvPr id="5" name="Footer Placeholder 4">
+            <a:extLst>
+              <a:ext uri="{FF2B5EF4-FFF2-40B4-BE49-F238E27FC236}">
+                <a16:creationId xmlns:a16="http://schemas.microsoft.com/office/drawing/2014/main" id="{D433FBC0-D2B6-473C-A9EA-DEC04827739D}"/>
+              </a:ext>
+            </a:extLst>
+          </p:cNvPr>
+          <p:cNvSpPr>
+            <a:spLocks noGrp="1"/>
+          </p:cNvSpPr>
+          <p:nvPr>
+            <p:ph type="ftr" sz="quarter" idx="11"/>
+          </p:nvPr>
+        </p:nvSpPr>
+        <p:spPr/>
+        <p:txBody>
+          <a:bodyPr/>
+          <a:lstStyle/>
+          <a:p>
+            <a:r>
+              <a:rPr lang="de-DE" noProof="0"/>
+              <a:t>Organisationseinheit verbal</a:t>
+            </a:r>
+            <a:endParaRPr lang="de-CH" noProof="0" dirty="0"/>
+          </a:p>
+        </p:txBody>
+      </p:sp>
+      <p:sp>
+        <p:nvSpPr>
+          <p:cNvPr id="6" name="Slide Number Placeholder 5">
+            <a:extLst>
+              <a:ext uri="{FF2B5EF4-FFF2-40B4-BE49-F238E27FC236}">
+                <a16:creationId xmlns:a16="http://schemas.microsoft.com/office/drawing/2014/main" id="{02E1D819-7DBE-47B2-A771-45E54CF24E5F}"/>
+              </a:ext>
+            </a:extLst>
+          </p:cNvPr>
+          <p:cNvSpPr>
+            <a:spLocks noGrp="1"/>
+          </p:cNvSpPr>
+          <p:nvPr>
+            <p:ph type="sldNum" sz="quarter" idx="12"/>
+          </p:nvPr>
+        </p:nvSpPr>
+        <p:spPr/>
+        <p:txBody>
+          <a:bodyPr/>
+          <a:lstStyle/>
+          <a:p>
+            <a:fld id="{5ACA52AF-F19D-405C-AD5F-7D94B96A5CC3}" type="slidenum">
+              <a:rPr lang="de-CH" noProof="0" smtClean="0"/>
+              <a:t>23</a:t>
+            </a:fld>
+            <a:endParaRPr lang="de-CH" noProof="0"/>
+          </a:p>
+        </p:txBody>
+      </p:sp>
+    </p:spTree>
+    <p:extLst>
+      <p:ext uri="{BB962C8B-B14F-4D97-AF65-F5344CB8AC3E}">
+        <p14:creationId xmlns:p14="http://schemas.microsoft.com/office/powerpoint/2010/main" val="1331092698"/>
+      </p:ext>
+    </p:extLst>
+  </p:cSld>
+  <p:clrMapOvr>
+    <a:masterClrMapping/>
+  </p:clrMapOvr>
+</p:sld>
+</file>
+
 <file path=ppt/slides/slide3.xml><?xml version="1.0" encoding="utf-8"?>
 <p:sld xmlns:a="http://schemas.openxmlformats.org/drawingml/2006/main" xmlns:r="http://schemas.openxmlformats.org/officeDocument/2006/relationships" xmlns:p="http://schemas.openxmlformats.org/presentationml/2006/main">
   <p:cSld>
@@ -9975,10 +10680,10 @@
       </p:grpSpPr>
       <p:sp>
         <p:nvSpPr>
-          <p:cNvPr id="2" name="Titel 1">
-            <a:extLst>
-              <a:ext uri="{FF2B5EF4-FFF2-40B4-BE49-F238E27FC236}">
-                <a16:creationId xmlns:a16="http://schemas.microsoft.com/office/drawing/2014/main" id="{B2FE22A1-56F7-4FF9-8A90-D307E67331DC}"/>
+          <p:cNvPr id="2" name="Title 1">
+            <a:extLst>
+              <a:ext uri="{FF2B5EF4-FFF2-40B4-BE49-F238E27FC236}">
+                <a16:creationId xmlns:a16="http://schemas.microsoft.com/office/drawing/2014/main" id="{E3273F93-ECA8-41A9-AC42-5C3C85BC17B8}"/>
               </a:ext>
             </a:extLst>
           </p:cNvPr>
@@ -9996,18 +10701,18 @@
           <a:p>
             <a:r>
               <a:rPr lang="de-DE" dirty="0"/>
-              <a:t>Overview what does my the DHM-Pipline do, importance of phase images</a:t>
-            </a:r>
-            <a:endParaRPr lang="de-CH" dirty="0"/>
-          </a:p>
-        </p:txBody>
-      </p:sp>
-      <p:sp>
-        <p:nvSpPr>
-          <p:cNvPr id="3" name="Inhaltsplatzhalter 2">
-            <a:extLst>
-              <a:ext uri="{FF2B5EF4-FFF2-40B4-BE49-F238E27FC236}">
-                <a16:creationId xmlns:a16="http://schemas.microsoft.com/office/drawing/2014/main" id="{56BD7DC3-17C3-4B09-9D8E-F143A82B205E}"/>
+              <a:t>What are we interested in tomographic methods</a:t>
+            </a:r>
+            <a:endParaRPr lang="en-CH" dirty="0"/>
+          </a:p>
+        </p:txBody>
+      </p:sp>
+      <p:sp>
+        <p:nvSpPr>
+          <p:cNvPr id="3" name="Content Placeholder 2">
+            <a:extLst>
+              <a:ext uri="{FF2B5EF4-FFF2-40B4-BE49-F238E27FC236}">
+                <a16:creationId xmlns:a16="http://schemas.microsoft.com/office/drawing/2014/main" id="{C3178AE8-776C-4501-8857-CC10C869A2B0}"/>
               </a:ext>
             </a:extLst>
           </p:cNvPr>
@@ -10023,48 +10728,16 @@
           <a:bodyPr/>
           <a:lstStyle/>
           <a:p>
-            <a:r>
-              <a:rPr lang="de-DE" dirty="0"/>
-              <a:t>abc</a:t>
-            </a:r>
-          </a:p>
-        </p:txBody>
-      </p:sp>
-      <p:sp>
-        <p:nvSpPr>
-          <p:cNvPr id="5" name="Fußzeilenplatzhalter 4">
-            <a:extLst>
-              <a:ext uri="{FF2B5EF4-FFF2-40B4-BE49-F238E27FC236}">
-                <a16:creationId xmlns:a16="http://schemas.microsoft.com/office/drawing/2014/main" id="{74837140-56B7-432E-8671-4B63B23EE4CF}"/>
-              </a:ext>
-            </a:extLst>
-          </p:cNvPr>
-          <p:cNvSpPr>
-            <a:spLocks noGrp="1"/>
-          </p:cNvSpPr>
-          <p:nvPr>
-            <p:ph type="ftr" sz="quarter" idx="11"/>
-          </p:nvPr>
-        </p:nvSpPr>
-        <p:spPr/>
-        <p:txBody>
-          <a:bodyPr/>
-          <a:lstStyle/>
-          <a:p>
-            <a:r>
-              <a:rPr lang="de-DE" noProof="0"/>
-              <a:t>Organisationseinheit verbal</a:t>
-            </a:r>
-            <a:endParaRPr lang="de-CH" noProof="0"/>
-          </a:p>
-        </p:txBody>
-      </p:sp>
-      <p:sp>
-        <p:nvSpPr>
-          <p:cNvPr id="4" name="Datumsplatzhalter 3">
-            <a:extLst>
-              <a:ext uri="{FF2B5EF4-FFF2-40B4-BE49-F238E27FC236}">
-                <a16:creationId xmlns:a16="http://schemas.microsoft.com/office/drawing/2014/main" id="{C6DB7874-B99C-4F6D-A86D-EA0EE8CA0B16}"/>
+            <a:endParaRPr lang="en-CH"/>
+          </a:p>
+        </p:txBody>
+      </p:sp>
+      <p:sp>
+        <p:nvSpPr>
+          <p:cNvPr id="4" name="Date Placeholder 3">
+            <a:extLst>
+              <a:ext uri="{FF2B5EF4-FFF2-40B4-BE49-F238E27FC236}">
+                <a16:creationId xmlns:a16="http://schemas.microsoft.com/office/drawing/2014/main" id="{08DC96EA-1D69-4FFB-BFD9-AA919B5F312F}"/>
               </a:ext>
             </a:extLst>
           </p:cNvPr>
@@ -10080,7 +10753,7 @@
           <a:bodyPr/>
           <a:lstStyle/>
           <a:p>
-            <a:fld id="{D5CE5686-0170-47AF-9B8A-7DF387E652FA}" type="datetime1">
+            <a:fld id="{1332D50A-E6CC-4D88-8908-F2129032F4C7}" type="datetime1">
               <a:rPr lang="de-CH" noProof="0" smtClean="0"/>
               <a:t>28.08.2023</a:t>
             </a:fld>
@@ -10090,10 +10763,39 @@
       </p:sp>
       <p:sp>
         <p:nvSpPr>
-          <p:cNvPr id="6" name="Foliennummernplatzhalter 5">
-            <a:extLst>
-              <a:ext uri="{FF2B5EF4-FFF2-40B4-BE49-F238E27FC236}">
-                <a16:creationId xmlns:a16="http://schemas.microsoft.com/office/drawing/2014/main" id="{9620278B-D74F-421E-A3BD-EC66D58377A7}"/>
+          <p:cNvPr id="5" name="Footer Placeholder 4">
+            <a:extLst>
+              <a:ext uri="{FF2B5EF4-FFF2-40B4-BE49-F238E27FC236}">
+                <a16:creationId xmlns:a16="http://schemas.microsoft.com/office/drawing/2014/main" id="{0FFB934B-6946-46E9-AE10-3D270F9447B2}"/>
+              </a:ext>
+            </a:extLst>
+          </p:cNvPr>
+          <p:cNvSpPr>
+            <a:spLocks noGrp="1"/>
+          </p:cNvSpPr>
+          <p:nvPr>
+            <p:ph type="ftr" sz="quarter" idx="11"/>
+          </p:nvPr>
+        </p:nvSpPr>
+        <p:spPr/>
+        <p:txBody>
+          <a:bodyPr/>
+          <a:lstStyle/>
+          <a:p>
+            <a:r>
+              <a:rPr lang="de-DE" noProof="0"/>
+              <a:t>Organisationseinheit verbal</a:t>
+            </a:r>
+            <a:endParaRPr lang="de-CH" noProof="0" dirty="0"/>
+          </a:p>
+        </p:txBody>
+      </p:sp>
+      <p:sp>
+        <p:nvSpPr>
+          <p:cNvPr id="6" name="Slide Number Placeholder 5">
+            <a:extLst>
+              <a:ext uri="{FF2B5EF4-FFF2-40B4-BE49-F238E27FC236}">
+                <a16:creationId xmlns:a16="http://schemas.microsoft.com/office/drawing/2014/main" id="{9C8229B2-4D21-4615-A0E8-229BD7042C8E}"/>
               </a:ext>
             </a:extLst>
           </p:cNvPr>
@@ -10120,7 +10822,7 @@
     </p:spTree>
     <p:extLst>
       <p:ext uri="{BB962C8B-B14F-4D97-AF65-F5344CB8AC3E}">
-        <p14:creationId xmlns:p14="http://schemas.microsoft.com/office/powerpoint/2010/main" val="1777112693"/>
+        <p14:creationId xmlns:p14="http://schemas.microsoft.com/office/powerpoint/2010/main" val="2716464960"/>
       </p:ext>
     </p:extLst>
   </p:cSld>
@@ -10152,7 +10854,7 @@
           <p:cNvPr id="2" name="Title 1">
             <a:extLst>
               <a:ext uri="{FF2B5EF4-FFF2-40B4-BE49-F238E27FC236}">
-                <a16:creationId xmlns:a16="http://schemas.microsoft.com/office/drawing/2014/main" id="{9B255B21-9B8B-4509-AD8D-F703427C12C4}"/>
+                <a16:creationId xmlns:a16="http://schemas.microsoft.com/office/drawing/2014/main" id="{E3A8A0C6-66D7-4F16-9BC8-349D87A4DEA3}"/>
               </a:ext>
             </a:extLst>
           </p:cNvPr>
@@ -10168,11 +10870,7 @@
           <a:bodyPr/>
           <a:lstStyle/>
           <a:p>
-            <a:r>
-              <a:rPr lang="de-DE" dirty="0"/>
-              <a:t>How does a Hologram work</a:t>
-            </a:r>
-            <a:endParaRPr lang="en-CH" dirty="0"/>
+            <a:endParaRPr lang="en-CH"/>
           </a:p>
         </p:txBody>
       </p:sp>
@@ -10181,7 +10879,7 @@
           <p:cNvPr id="3" name="Content Placeholder 2">
             <a:extLst>
               <a:ext uri="{FF2B5EF4-FFF2-40B4-BE49-F238E27FC236}">
-                <a16:creationId xmlns:a16="http://schemas.microsoft.com/office/drawing/2014/main" id="{9E625860-576B-46BF-805B-1E5A77DF7C6C}"/>
+                <a16:creationId xmlns:a16="http://schemas.microsoft.com/office/drawing/2014/main" id="{23025F80-664C-47EB-B231-376FAF6D72DA}"/>
               </a:ext>
             </a:extLst>
           </p:cNvPr>
@@ -10206,7 +10904,7 @@
           <p:cNvPr id="4" name="Date Placeholder 3">
             <a:extLst>
               <a:ext uri="{FF2B5EF4-FFF2-40B4-BE49-F238E27FC236}">
-                <a16:creationId xmlns:a16="http://schemas.microsoft.com/office/drawing/2014/main" id="{7C7FAA46-EF21-4DBF-AA32-5AE84D01E66C}"/>
+                <a16:creationId xmlns:a16="http://schemas.microsoft.com/office/drawing/2014/main" id="{9F3555CC-3D8D-45F1-B003-6C5F42DC792B}"/>
               </a:ext>
             </a:extLst>
           </p:cNvPr>
@@ -10222,7 +10920,7 @@
           <a:bodyPr/>
           <a:lstStyle/>
           <a:p>
-            <a:fld id="{11B96697-4585-4368-989A-16003D150648}" type="datetime1">
+            <a:fld id="{1332D50A-E6CC-4D88-8908-F2129032F4C7}" type="datetime1">
               <a:rPr lang="de-CH" noProof="0" smtClean="0"/>
               <a:t>28.08.2023</a:t>
             </a:fld>
@@ -10235,7 +10933,7 @@
           <p:cNvPr id="5" name="Footer Placeholder 4">
             <a:extLst>
               <a:ext uri="{FF2B5EF4-FFF2-40B4-BE49-F238E27FC236}">
-                <a16:creationId xmlns:a16="http://schemas.microsoft.com/office/drawing/2014/main" id="{95671344-0C1C-4CE1-9491-0AC0B17D041A}"/>
+                <a16:creationId xmlns:a16="http://schemas.microsoft.com/office/drawing/2014/main" id="{90DC30D4-CE8E-4741-A6A3-3418C36DD0D0}"/>
               </a:ext>
             </a:extLst>
           </p:cNvPr>
@@ -10264,7 +10962,7 @@
           <p:cNvPr id="6" name="Slide Number Placeholder 5">
             <a:extLst>
               <a:ext uri="{FF2B5EF4-FFF2-40B4-BE49-F238E27FC236}">
-                <a16:creationId xmlns:a16="http://schemas.microsoft.com/office/drawing/2014/main" id="{4137ED00-CA0C-4203-B7E0-5A83617825A6}"/>
+                <a16:creationId xmlns:a16="http://schemas.microsoft.com/office/drawing/2014/main" id="{F370493D-7FC9-47B8-B7CB-94A2B7A2AC44}"/>
               </a:ext>
             </a:extLst>
           </p:cNvPr>
@@ -10291,7 +10989,7 @@
     </p:spTree>
     <p:extLst>
       <p:ext uri="{BB962C8B-B14F-4D97-AF65-F5344CB8AC3E}">
-        <p14:creationId xmlns:p14="http://schemas.microsoft.com/office/powerpoint/2010/main" val="2856316922"/>
+        <p14:creationId xmlns:p14="http://schemas.microsoft.com/office/powerpoint/2010/main" val="662924567"/>
       </p:ext>
     </p:extLst>
   </p:cSld>
@@ -10320,10 +11018,10 @@
       </p:grpSpPr>
       <p:sp>
         <p:nvSpPr>
-          <p:cNvPr id="2" name="Title 1">
-            <a:extLst>
-              <a:ext uri="{FF2B5EF4-FFF2-40B4-BE49-F238E27FC236}">
-                <a16:creationId xmlns:a16="http://schemas.microsoft.com/office/drawing/2014/main" id="{E6B47A6C-15B6-4F45-908D-59AF300A924C}"/>
+          <p:cNvPr id="2" name="Titel 1">
+            <a:extLst>
+              <a:ext uri="{FF2B5EF4-FFF2-40B4-BE49-F238E27FC236}">
+                <a16:creationId xmlns:a16="http://schemas.microsoft.com/office/drawing/2014/main" id="{B2FE22A1-56F7-4FF9-8A90-D307E67331DC}"/>
               </a:ext>
             </a:extLst>
           </p:cNvPr>
@@ -10341,18 +11039,18 @@
           <a:p>
             <a:r>
               <a:rPr lang="de-DE" dirty="0"/>
-              <a:t>DHM how does it work</a:t>
-            </a:r>
-            <a:endParaRPr lang="en-CH" dirty="0"/>
-          </a:p>
-        </p:txBody>
-      </p:sp>
-      <p:sp>
-        <p:nvSpPr>
-          <p:cNvPr id="3" name="Content Placeholder 2">
-            <a:extLst>
-              <a:ext uri="{FF2B5EF4-FFF2-40B4-BE49-F238E27FC236}">
-                <a16:creationId xmlns:a16="http://schemas.microsoft.com/office/drawing/2014/main" id="{5D39411A-24D2-4F27-927B-9D4FC7053B3D}"/>
+              <a:t>Overview what does my the DHM-Pipline do, importance of phase images</a:t>
+            </a:r>
+            <a:endParaRPr lang="de-CH" dirty="0"/>
+          </a:p>
+        </p:txBody>
+      </p:sp>
+      <p:sp>
+        <p:nvSpPr>
+          <p:cNvPr id="3" name="Inhaltsplatzhalter 2">
+            <a:extLst>
+              <a:ext uri="{FF2B5EF4-FFF2-40B4-BE49-F238E27FC236}">
+                <a16:creationId xmlns:a16="http://schemas.microsoft.com/office/drawing/2014/main" id="{56BD7DC3-17C3-4B09-9D8E-F143A82B205E}"/>
               </a:ext>
             </a:extLst>
           </p:cNvPr>
@@ -10368,16 +11066,48 @@
           <a:bodyPr/>
           <a:lstStyle/>
           <a:p>
-            <a:endParaRPr lang="en-CH"/>
-          </a:p>
-        </p:txBody>
-      </p:sp>
-      <p:sp>
-        <p:nvSpPr>
-          <p:cNvPr id="4" name="Date Placeholder 3">
-            <a:extLst>
-              <a:ext uri="{FF2B5EF4-FFF2-40B4-BE49-F238E27FC236}">
-                <a16:creationId xmlns:a16="http://schemas.microsoft.com/office/drawing/2014/main" id="{F868D93F-CCEC-47C3-9962-AAA7C1526205}"/>
+            <a:r>
+              <a:rPr lang="de-DE" dirty="0"/>
+              <a:t>abc</a:t>
+            </a:r>
+          </a:p>
+        </p:txBody>
+      </p:sp>
+      <p:sp>
+        <p:nvSpPr>
+          <p:cNvPr id="5" name="Fußzeilenplatzhalter 4">
+            <a:extLst>
+              <a:ext uri="{FF2B5EF4-FFF2-40B4-BE49-F238E27FC236}">
+                <a16:creationId xmlns:a16="http://schemas.microsoft.com/office/drawing/2014/main" id="{74837140-56B7-432E-8671-4B63B23EE4CF}"/>
+              </a:ext>
+            </a:extLst>
+          </p:cNvPr>
+          <p:cNvSpPr>
+            <a:spLocks noGrp="1"/>
+          </p:cNvSpPr>
+          <p:nvPr>
+            <p:ph type="ftr" sz="quarter" idx="11"/>
+          </p:nvPr>
+        </p:nvSpPr>
+        <p:spPr/>
+        <p:txBody>
+          <a:bodyPr/>
+          <a:lstStyle/>
+          <a:p>
+            <a:r>
+              <a:rPr lang="de-DE" noProof="0"/>
+              <a:t>Organisationseinheit verbal</a:t>
+            </a:r>
+            <a:endParaRPr lang="de-CH" noProof="0"/>
+          </a:p>
+        </p:txBody>
+      </p:sp>
+      <p:sp>
+        <p:nvSpPr>
+          <p:cNvPr id="4" name="Datumsplatzhalter 3">
+            <a:extLst>
+              <a:ext uri="{FF2B5EF4-FFF2-40B4-BE49-F238E27FC236}">
+                <a16:creationId xmlns:a16="http://schemas.microsoft.com/office/drawing/2014/main" id="{C6DB7874-B99C-4F6D-A86D-EA0EE8CA0B16}"/>
               </a:ext>
             </a:extLst>
           </p:cNvPr>
@@ -10393,7 +11123,7 @@
           <a:bodyPr/>
           <a:lstStyle/>
           <a:p>
-            <a:fld id="{11B96697-4585-4368-989A-16003D150648}" type="datetime1">
+            <a:fld id="{D5CE5686-0170-47AF-9B8A-7DF387E652FA}" type="datetime1">
               <a:rPr lang="de-CH" noProof="0" smtClean="0"/>
               <a:t>28.08.2023</a:t>
             </a:fld>
@@ -10403,39 +11133,10 @@
       </p:sp>
       <p:sp>
         <p:nvSpPr>
-          <p:cNvPr id="5" name="Footer Placeholder 4">
-            <a:extLst>
-              <a:ext uri="{FF2B5EF4-FFF2-40B4-BE49-F238E27FC236}">
-                <a16:creationId xmlns:a16="http://schemas.microsoft.com/office/drawing/2014/main" id="{F135E848-D42F-4F2E-9E41-3BA6F919BECC}"/>
-              </a:ext>
-            </a:extLst>
-          </p:cNvPr>
-          <p:cNvSpPr>
-            <a:spLocks noGrp="1"/>
-          </p:cNvSpPr>
-          <p:nvPr>
-            <p:ph type="ftr" sz="quarter" idx="11"/>
-          </p:nvPr>
-        </p:nvSpPr>
-        <p:spPr/>
-        <p:txBody>
-          <a:bodyPr/>
-          <a:lstStyle/>
-          <a:p>
-            <a:r>
-              <a:rPr lang="de-DE" noProof="0"/>
-              <a:t>Organisationseinheit verbal</a:t>
-            </a:r>
-            <a:endParaRPr lang="de-CH" noProof="0" dirty="0"/>
-          </a:p>
-        </p:txBody>
-      </p:sp>
-      <p:sp>
-        <p:nvSpPr>
-          <p:cNvPr id="6" name="Slide Number Placeholder 5">
-            <a:extLst>
-              <a:ext uri="{FF2B5EF4-FFF2-40B4-BE49-F238E27FC236}">
-                <a16:creationId xmlns:a16="http://schemas.microsoft.com/office/drawing/2014/main" id="{ABBCEEAD-8D4D-4335-9C15-A802F251F0BD}"/>
+          <p:cNvPr id="6" name="Foliennummernplatzhalter 5">
+            <a:extLst>
+              <a:ext uri="{FF2B5EF4-FFF2-40B4-BE49-F238E27FC236}">
+                <a16:creationId xmlns:a16="http://schemas.microsoft.com/office/drawing/2014/main" id="{9620278B-D74F-421E-A3BD-EC66D58377A7}"/>
               </a:ext>
             </a:extLst>
           </p:cNvPr>
@@ -10462,7 +11163,7 @@
     </p:spTree>
     <p:extLst>
       <p:ext uri="{BB962C8B-B14F-4D97-AF65-F5344CB8AC3E}">
-        <p14:creationId xmlns:p14="http://schemas.microsoft.com/office/powerpoint/2010/main" val="2263358802"/>
+        <p14:creationId xmlns:p14="http://schemas.microsoft.com/office/powerpoint/2010/main" val="1777112693"/>
       </p:ext>
     </p:extLst>
   </p:cSld>
@@ -10494,7 +11195,7 @@
           <p:cNvPr id="2" name="Title 1">
             <a:extLst>
               <a:ext uri="{FF2B5EF4-FFF2-40B4-BE49-F238E27FC236}">
-                <a16:creationId xmlns:a16="http://schemas.microsoft.com/office/drawing/2014/main" id="{1EE95282-BFE7-48D8-AB70-2F492C287600}"/>
+                <a16:creationId xmlns:a16="http://schemas.microsoft.com/office/drawing/2014/main" id="{9B255B21-9B8B-4509-AD8D-F703427C12C4}"/>
               </a:ext>
             </a:extLst>
           </p:cNvPr>
@@ -10512,7 +11213,7 @@
           <a:p>
             <a:r>
               <a:rPr lang="de-DE" dirty="0"/>
-              <a:t>Workflow before me</a:t>
+              <a:t>How does a Hologram work</a:t>
             </a:r>
             <a:endParaRPr lang="en-CH" dirty="0"/>
           </a:p>
@@ -10523,7 +11224,7 @@
           <p:cNvPr id="3" name="Content Placeholder 2">
             <a:extLst>
               <a:ext uri="{FF2B5EF4-FFF2-40B4-BE49-F238E27FC236}">
-                <a16:creationId xmlns:a16="http://schemas.microsoft.com/office/drawing/2014/main" id="{8D6D6F51-6E6C-4A30-8209-10EC6B8F35BF}"/>
+                <a16:creationId xmlns:a16="http://schemas.microsoft.com/office/drawing/2014/main" id="{9E625860-576B-46BF-805B-1E5A77DF7C6C}"/>
               </a:ext>
             </a:extLst>
           </p:cNvPr>
@@ -10548,7 +11249,7 @@
           <p:cNvPr id="4" name="Date Placeholder 3">
             <a:extLst>
               <a:ext uri="{FF2B5EF4-FFF2-40B4-BE49-F238E27FC236}">
-                <a16:creationId xmlns:a16="http://schemas.microsoft.com/office/drawing/2014/main" id="{7CA8E9AD-D002-4322-988E-B40C31A77AA1}"/>
+                <a16:creationId xmlns:a16="http://schemas.microsoft.com/office/drawing/2014/main" id="{7C7FAA46-EF21-4DBF-AA32-5AE84D01E66C}"/>
               </a:ext>
             </a:extLst>
           </p:cNvPr>
@@ -10577,7 +11278,7 @@
           <p:cNvPr id="5" name="Footer Placeholder 4">
             <a:extLst>
               <a:ext uri="{FF2B5EF4-FFF2-40B4-BE49-F238E27FC236}">
-                <a16:creationId xmlns:a16="http://schemas.microsoft.com/office/drawing/2014/main" id="{80B4E778-3B4A-4BC8-816C-1DCA3FE4D558}"/>
+                <a16:creationId xmlns:a16="http://schemas.microsoft.com/office/drawing/2014/main" id="{95671344-0C1C-4CE1-9491-0AC0B17D041A}"/>
               </a:ext>
             </a:extLst>
           </p:cNvPr>
@@ -10606,7 +11307,7 @@
           <p:cNvPr id="6" name="Slide Number Placeholder 5">
             <a:extLst>
               <a:ext uri="{FF2B5EF4-FFF2-40B4-BE49-F238E27FC236}">
-                <a16:creationId xmlns:a16="http://schemas.microsoft.com/office/drawing/2014/main" id="{35ABDF74-8F54-4232-85E1-785DABAF2992}"/>
+                <a16:creationId xmlns:a16="http://schemas.microsoft.com/office/drawing/2014/main" id="{4137ED00-CA0C-4203-B7E0-5A83617825A6}"/>
               </a:ext>
             </a:extLst>
           </p:cNvPr>
@@ -10633,7 +11334,7 @@
     </p:spTree>
     <p:extLst>
       <p:ext uri="{BB962C8B-B14F-4D97-AF65-F5344CB8AC3E}">
-        <p14:creationId xmlns:p14="http://schemas.microsoft.com/office/powerpoint/2010/main" val="3613326293"/>
+        <p14:creationId xmlns:p14="http://schemas.microsoft.com/office/powerpoint/2010/main" val="2856316922"/>
       </p:ext>
     </p:extLst>
   </p:cSld>
@@ -10665,7 +11366,7 @@
           <p:cNvPr id="2" name="Title 1">
             <a:extLst>
               <a:ext uri="{FF2B5EF4-FFF2-40B4-BE49-F238E27FC236}">
-                <a16:creationId xmlns:a16="http://schemas.microsoft.com/office/drawing/2014/main" id="{3DE7A695-F75B-41BB-A688-F1E6E75288AA}"/>
+                <a16:creationId xmlns:a16="http://schemas.microsoft.com/office/drawing/2014/main" id="{E6B47A6C-15B6-4F45-908D-59AF300A924C}"/>
               </a:ext>
             </a:extLst>
           </p:cNvPr>
@@ -10683,7 +11384,7 @@
           <a:p>
             <a:r>
               <a:rPr lang="de-DE" dirty="0"/>
-              <a:t>Problems of this workflow</a:t>
+              <a:t>DHM how does it work</a:t>
             </a:r>
             <a:endParaRPr lang="en-CH" dirty="0"/>
           </a:p>
@@ -10694,7 +11395,7 @@
           <p:cNvPr id="3" name="Content Placeholder 2">
             <a:extLst>
               <a:ext uri="{FF2B5EF4-FFF2-40B4-BE49-F238E27FC236}">
-                <a16:creationId xmlns:a16="http://schemas.microsoft.com/office/drawing/2014/main" id="{172B0A13-488B-4490-A3C7-63F6A45A4BB2}"/>
+                <a16:creationId xmlns:a16="http://schemas.microsoft.com/office/drawing/2014/main" id="{5D39411A-24D2-4F27-927B-9D4FC7053B3D}"/>
               </a:ext>
             </a:extLst>
           </p:cNvPr>
@@ -10719,7 +11420,7 @@
           <p:cNvPr id="4" name="Date Placeholder 3">
             <a:extLst>
               <a:ext uri="{FF2B5EF4-FFF2-40B4-BE49-F238E27FC236}">
-                <a16:creationId xmlns:a16="http://schemas.microsoft.com/office/drawing/2014/main" id="{C0D25751-477F-4563-A283-AD3912E3E811}"/>
+                <a16:creationId xmlns:a16="http://schemas.microsoft.com/office/drawing/2014/main" id="{F868D93F-CCEC-47C3-9962-AAA7C1526205}"/>
               </a:ext>
             </a:extLst>
           </p:cNvPr>
@@ -10748,7 +11449,7 @@
           <p:cNvPr id="5" name="Footer Placeholder 4">
             <a:extLst>
               <a:ext uri="{FF2B5EF4-FFF2-40B4-BE49-F238E27FC236}">
-                <a16:creationId xmlns:a16="http://schemas.microsoft.com/office/drawing/2014/main" id="{DA1C4124-DB69-4A5B-8F5E-026944579B1F}"/>
+                <a16:creationId xmlns:a16="http://schemas.microsoft.com/office/drawing/2014/main" id="{F135E848-D42F-4F2E-9E41-3BA6F919BECC}"/>
               </a:ext>
             </a:extLst>
           </p:cNvPr>
@@ -10777,7 +11478,7 @@
           <p:cNvPr id="6" name="Slide Number Placeholder 5">
             <a:extLst>
               <a:ext uri="{FF2B5EF4-FFF2-40B4-BE49-F238E27FC236}">
-                <a16:creationId xmlns:a16="http://schemas.microsoft.com/office/drawing/2014/main" id="{036D2BC5-76CB-46FC-8667-A9CD605AF314}"/>
+                <a16:creationId xmlns:a16="http://schemas.microsoft.com/office/drawing/2014/main" id="{ABBCEEAD-8D4D-4335-9C15-A802F251F0BD}"/>
               </a:ext>
             </a:extLst>
           </p:cNvPr>
@@ -10804,7 +11505,7 @@
     </p:spTree>
     <p:extLst>
       <p:ext uri="{BB962C8B-B14F-4D97-AF65-F5344CB8AC3E}">
-        <p14:creationId xmlns:p14="http://schemas.microsoft.com/office/powerpoint/2010/main" val="2305219293"/>
+        <p14:creationId xmlns:p14="http://schemas.microsoft.com/office/powerpoint/2010/main" val="2263358802"/>
       </p:ext>
     </p:extLst>
   </p:cSld>
@@ -10836,7 +11537,7 @@
           <p:cNvPr id="2" name="Title 1">
             <a:extLst>
               <a:ext uri="{FF2B5EF4-FFF2-40B4-BE49-F238E27FC236}">
-                <a16:creationId xmlns:a16="http://schemas.microsoft.com/office/drawing/2014/main" id="{7341A6D9-8BFC-420A-B93B-3F474303A42A}"/>
+                <a16:creationId xmlns:a16="http://schemas.microsoft.com/office/drawing/2014/main" id="{1EE95282-BFE7-48D8-AB70-2F492C287600}"/>
               </a:ext>
             </a:extLst>
           </p:cNvPr>
@@ -10854,7 +11555,7 @@
           <a:p>
             <a:r>
               <a:rPr lang="de-DE" dirty="0"/>
-              <a:t>Workflow: Surface plane subtraction</a:t>
+              <a:t>Workflow before me</a:t>
             </a:r>
             <a:endParaRPr lang="en-CH" dirty="0"/>
           </a:p>
@@ -10865,7 +11566,7 @@
           <p:cNvPr id="3" name="Content Placeholder 2">
             <a:extLst>
               <a:ext uri="{FF2B5EF4-FFF2-40B4-BE49-F238E27FC236}">
-                <a16:creationId xmlns:a16="http://schemas.microsoft.com/office/drawing/2014/main" id="{65F7AB09-D47D-4CCC-8342-1220EE57CD3E}"/>
+                <a16:creationId xmlns:a16="http://schemas.microsoft.com/office/drawing/2014/main" id="{8D6D6F51-6E6C-4A30-8209-10EC6B8F35BF}"/>
               </a:ext>
             </a:extLst>
           </p:cNvPr>
@@ -10890,7 +11591,7 @@
           <p:cNvPr id="4" name="Date Placeholder 3">
             <a:extLst>
               <a:ext uri="{FF2B5EF4-FFF2-40B4-BE49-F238E27FC236}">
-                <a16:creationId xmlns:a16="http://schemas.microsoft.com/office/drawing/2014/main" id="{FB53C179-6D00-4E18-84C4-9E905AD3D7BA}"/>
+                <a16:creationId xmlns:a16="http://schemas.microsoft.com/office/drawing/2014/main" id="{7CA8E9AD-D002-4322-988E-B40C31A77AA1}"/>
               </a:ext>
             </a:extLst>
           </p:cNvPr>
@@ -10919,7 +11620,7 @@
           <p:cNvPr id="5" name="Footer Placeholder 4">
             <a:extLst>
               <a:ext uri="{FF2B5EF4-FFF2-40B4-BE49-F238E27FC236}">
-                <a16:creationId xmlns:a16="http://schemas.microsoft.com/office/drawing/2014/main" id="{A9F58DE1-D4DC-4967-9A31-E566422EDB30}"/>
+                <a16:creationId xmlns:a16="http://schemas.microsoft.com/office/drawing/2014/main" id="{80B4E778-3B4A-4BC8-816C-1DCA3FE4D558}"/>
               </a:ext>
             </a:extLst>
           </p:cNvPr>
@@ -10948,7 +11649,7 @@
           <p:cNvPr id="6" name="Slide Number Placeholder 5">
             <a:extLst>
               <a:ext uri="{FF2B5EF4-FFF2-40B4-BE49-F238E27FC236}">
-                <a16:creationId xmlns:a16="http://schemas.microsoft.com/office/drawing/2014/main" id="{446D7D00-5388-4D1F-ABA9-E41B031A4CA2}"/>
+                <a16:creationId xmlns:a16="http://schemas.microsoft.com/office/drawing/2014/main" id="{35ABDF74-8F54-4232-85E1-785DABAF2992}"/>
               </a:ext>
             </a:extLst>
           </p:cNvPr>
@@ -10975,7 +11676,7 @@
     </p:spTree>
     <p:extLst>
       <p:ext uri="{BB962C8B-B14F-4D97-AF65-F5344CB8AC3E}">
-        <p14:creationId xmlns:p14="http://schemas.microsoft.com/office/powerpoint/2010/main" val="207285702"/>
+        <p14:creationId xmlns:p14="http://schemas.microsoft.com/office/powerpoint/2010/main" val="3613326293"/>
       </p:ext>
     </p:extLst>
   </p:cSld>
@@ -11007,7 +11708,7 @@
           <p:cNvPr id="2" name="Title 1">
             <a:extLst>
               <a:ext uri="{FF2B5EF4-FFF2-40B4-BE49-F238E27FC236}">
-                <a16:creationId xmlns:a16="http://schemas.microsoft.com/office/drawing/2014/main" id="{51462B05-BBD0-4A5D-B85E-2EDDF1E8FF30}"/>
+                <a16:creationId xmlns:a16="http://schemas.microsoft.com/office/drawing/2014/main" id="{3DE7A695-F75B-41BB-A688-F1E6E75288AA}"/>
               </a:ext>
             </a:extLst>
           </p:cNvPr>
@@ -11025,7 +11726,7 @@
           <a:p>
             <a:r>
               <a:rPr lang="de-DE" dirty="0"/>
-              <a:t>Workflow: Focusing</a:t>
+              <a:t>Problems of this workflow</a:t>
             </a:r>
             <a:endParaRPr lang="en-CH" dirty="0"/>
           </a:p>
@@ -11036,7 +11737,7 @@
           <p:cNvPr id="3" name="Content Placeholder 2">
             <a:extLst>
               <a:ext uri="{FF2B5EF4-FFF2-40B4-BE49-F238E27FC236}">
-                <a16:creationId xmlns:a16="http://schemas.microsoft.com/office/drawing/2014/main" id="{73FE73F3-744E-4A3F-9DF0-8ABA3B976373}"/>
+                <a16:creationId xmlns:a16="http://schemas.microsoft.com/office/drawing/2014/main" id="{172B0A13-488B-4490-A3C7-63F6A45A4BB2}"/>
               </a:ext>
             </a:extLst>
           </p:cNvPr>
@@ -11061,7 +11762,7 @@
           <p:cNvPr id="4" name="Date Placeholder 3">
             <a:extLst>
               <a:ext uri="{FF2B5EF4-FFF2-40B4-BE49-F238E27FC236}">
-                <a16:creationId xmlns:a16="http://schemas.microsoft.com/office/drawing/2014/main" id="{252B120E-C00A-413C-82B3-16C09ED49ED1}"/>
+                <a16:creationId xmlns:a16="http://schemas.microsoft.com/office/drawing/2014/main" id="{C0D25751-477F-4563-A283-AD3912E3E811}"/>
               </a:ext>
             </a:extLst>
           </p:cNvPr>
@@ -11090,7 +11791,7 @@
           <p:cNvPr id="5" name="Footer Placeholder 4">
             <a:extLst>
               <a:ext uri="{FF2B5EF4-FFF2-40B4-BE49-F238E27FC236}">
-                <a16:creationId xmlns:a16="http://schemas.microsoft.com/office/drawing/2014/main" id="{386A37D0-6B43-4128-B56E-1B658A530129}"/>
+                <a16:creationId xmlns:a16="http://schemas.microsoft.com/office/drawing/2014/main" id="{DA1C4124-DB69-4A5B-8F5E-026944579B1F}"/>
               </a:ext>
             </a:extLst>
           </p:cNvPr>
@@ -11119,7 +11820,7 @@
           <p:cNvPr id="6" name="Slide Number Placeholder 5">
             <a:extLst>
               <a:ext uri="{FF2B5EF4-FFF2-40B4-BE49-F238E27FC236}">
-                <a16:creationId xmlns:a16="http://schemas.microsoft.com/office/drawing/2014/main" id="{4ED25110-6492-4937-AC74-DFC303AE8A43}"/>
+                <a16:creationId xmlns:a16="http://schemas.microsoft.com/office/drawing/2014/main" id="{036D2BC5-76CB-46FC-8667-A9CD605AF314}"/>
               </a:ext>
             </a:extLst>
           </p:cNvPr>
@@ -11146,7 +11847,7 @@
     </p:spTree>
     <p:extLst>
       <p:ext uri="{BB962C8B-B14F-4D97-AF65-F5344CB8AC3E}">
-        <p14:creationId xmlns:p14="http://schemas.microsoft.com/office/powerpoint/2010/main" val="3945107764"/>
+        <p14:creationId xmlns:p14="http://schemas.microsoft.com/office/powerpoint/2010/main" val="2305219293"/>
       </p:ext>
     </p:extLst>
   </p:cSld>
